--- a/17603-communication-for-software-leaders/Assignment 3.pptx
+++ b/17603-communication-for-software-leaders/Assignment 3.pptx
@@ -109,7 +109,3402 @@
       </a:defRPr>
     </a:lvl9pPr>
   </p:defaultTextStyle>
+  <p:extLst>
+    <p:ext uri="{EFAFB233-063F-42B5-8137-9DF3F51BA10A}">
+      <p15:sldGuideLst xmlns:p15="http://schemas.microsoft.com/office/powerpoint/2012/main"/>
+    </p:ext>
+  </p:extLst>
 </p:presentation>
+</file>
+
+<file path=ppt/revisionInfo.xml><?xml version="1.0" encoding="utf-8"?>
+<p1510:revInfo xmlns:a="http://schemas.openxmlformats.org/drawingml/2006/main" xmlns:r="http://schemas.openxmlformats.org/officeDocument/2006/relationships" xmlns:p1510="http://schemas.microsoft.com/office/powerpoint/2015/10/main">
+  <p1510:revLst>
+    <p1510:client id="{DB5BE82D-A1F5-A440-B76E-DC5A59D03E18}" v="123" dt="2023-09-16T21:58:00.458"/>
+  </p1510:revLst>
+</p1510:revInfo>
+</file>
+
+<file path=ppt/changesInfos/changesInfo1.xml><?xml version="1.0" encoding="utf-8"?>
+<pc:chgInfo xmlns:a="http://schemas.openxmlformats.org/drawingml/2006/main" xmlns:r="http://schemas.openxmlformats.org/officeDocument/2006/relationships" xmlns:ac="http://schemas.microsoft.com/office/drawing/2013/main/command" xmlns:pc="http://schemas.microsoft.com/office/powerpoint/2013/main/command">
+  <pc:docChgLst>
+    <pc:chgData name="Carl Gruhn" userId="3bc36f80-60ee-4ed5-a605-94c4c23e9e3d" providerId="ADAL" clId="{DB5BE82D-A1F5-A440-B76E-DC5A59D03E18}"/>
+    <pc:docChg chg="undo redo custSel modSld">
+      <pc:chgData name="Carl Gruhn" userId="3bc36f80-60ee-4ed5-a605-94c4c23e9e3d" providerId="ADAL" clId="{DB5BE82D-A1F5-A440-B76E-DC5A59D03E18}" dt="2023-09-17T22:20:51.626" v="1190" actId="20577"/>
+      <pc:docMkLst>
+        <pc:docMk/>
+      </pc:docMkLst>
+      <pc:sldChg chg="modSp">
+        <pc:chgData name="Carl Gruhn" userId="3bc36f80-60ee-4ed5-a605-94c4c23e9e3d" providerId="ADAL" clId="{DB5BE82D-A1F5-A440-B76E-DC5A59D03E18}" dt="2023-09-17T21:34:33.969" v="680" actId="20577"/>
+        <pc:sldMkLst>
+          <pc:docMk/>
+          <pc:sldMk cId="2225635634" sldId="256"/>
+        </pc:sldMkLst>
+        <pc:spChg chg="mod">
+          <ac:chgData name="Carl Gruhn" userId="3bc36f80-60ee-4ed5-a605-94c4c23e9e3d" providerId="ADAL" clId="{DB5BE82D-A1F5-A440-B76E-DC5A59D03E18}" dt="2023-09-17T21:34:33.969" v="680" actId="20577"/>
+          <ac:spMkLst>
+            <pc:docMk/>
+            <pc:sldMk cId="2225635634" sldId="256"/>
+            <ac:spMk id="2" creationId="{71F33CA5-3EAF-9484-79F8-DCD86BDF9B5C}"/>
+          </ac:spMkLst>
+        </pc:spChg>
+        <pc:spChg chg="mod">
+          <ac:chgData name="Carl Gruhn" userId="3bc36f80-60ee-4ed5-a605-94c4c23e9e3d" providerId="ADAL" clId="{DB5BE82D-A1F5-A440-B76E-DC5A59D03E18}" dt="2023-09-17T21:33:59.026" v="649" actId="20577"/>
+          <ac:spMkLst>
+            <pc:docMk/>
+            <pc:sldMk cId="2225635634" sldId="256"/>
+            <ac:spMk id="3" creationId="{26C540EC-34E4-D202-BA53-36C2CD6307E5}"/>
+          </ac:spMkLst>
+        </pc:spChg>
+      </pc:sldChg>
+      <pc:sldChg chg="addSp delSp modSp">
+        <pc:chgData name="Carl Gruhn" userId="3bc36f80-60ee-4ed5-a605-94c4c23e9e3d" providerId="ADAL" clId="{DB5BE82D-A1F5-A440-B76E-DC5A59D03E18}" dt="2023-09-17T21:41:26.207" v="804" actId="20577"/>
+        <pc:sldMkLst>
+          <pc:docMk/>
+          <pc:sldMk cId="3164352374" sldId="257"/>
+        </pc:sldMkLst>
+        <pc:spChg chg="mod">
+          <ac:chgData name="Carl Gruhn" userId="3bc36f80-60ee-4ed5-a605-94c4c23e9e3d" providerId="ADAL" clId="{DB5BE82D-A1F5-A440-B76E-DC5A59D03E18}" dt="2023-09-17T21:41:26.207" v="804" actId="20577"/>
+          <ac:spMkLst>
+            <pc:docMk/>
+            <pc:sldMk cId="3164352374" sldId="257"/>
+            <ac:spMk id="3" creationId="{6510C036-5CA0-F9F0-6BF9-2E1BD2A7E53F}"/>
+          </ac:spMkLst>
+        </pc:spChg>
+        <pc:inkChg chg="add del">
+          <ac:chgData name="Carl Gruhn" userId="3bc36f80-60ee-4ed5-a605-94c4c23e9e3d" providerId="ADAL" clId="{DB5BE82D-A1F5-A440-B76E-DC5A59D03E18}" dt="2023-09-16T21:19:22.712" v="7"/>
+          <ac:inkMkLst>
+            <pc:docMk/>
+            <pc:sldMk cId="3164352374" sldId="257"/>
+            <ac:inkMk id="4" creationId="{98426F89-A1D1-4BF2-CB99-7FDDB8BEFB3C}"/>
+          </ac:inkMkLst>
+        </pc:inkChg>
+        <pc:inkChg chg="add del">
+          <ac:chgData name="Carl Gruhn" userId="3bc36f80-60ee-4ed5-a605-94c4c23e9e3d" providerId="ADAL" clId="{DB5BE82D-A1F5-A440-B76E-DC5A59D03E18}" dt="2023-09-16T21:19:22.184" v="6"/>
+          <ac:inkMkLst>
+            <pc:docMk/>
+            <pc:sldMk cId="3164352374" sldId="257"/>
+            <ac:inkMk id="5" creationId="{26795A22-1E1C-D0C3-0881-0FB47E764509}"/>
+          </ac:inkMkLst>
+        </pc:inkChg>
+        <pc:inkChg chg="add del">
+          <ac:chgData name="Carl Gruhn" userId="3bc36f80-60ee-4ed5-a605-94c4c23e9e3d" providerId="ADAL" clId="{DB5BE82D-A1F5-A440-B76E-DC5A59D03E18}" dt="2023-09-16T21:19:21.586" v="5"/>
+          <ac:inkMkLst>
+            <pc:docMk/>
+            <pc:sldMk cId="3164352374" sldId="257"/>
+            <ac:inkMk id="6" creationId="{F74B61D6-361F-043A-7E97-DB3E4B222A4F}"/>
+          </ac:inkMkLst>
+        </pc:inkChg>
+        <pc:inkChg chg="add del reco">
+          <ac:chgData name="Carl Gruhn" userId="3bc36f80-60ee-4ed5-a605-94c4c23e9e3d" providerId="ADAL" clId="{DB5BE82D-A1F5-A440-B76E-DC5A59D03E18}" dt="2023-09-16T21:19:21.586" v="5"/>
+          <ac:inkMkLst>
+            <pc:docMk/>
+            <pc:sldMk cId="3164352374" sldId="257"/>
+            <ac:inkMk id="7" creationId="{C0178321-DF24-8FED-4765-96E691BBDFC0}"/>
+          </ac:inkMkLst>
+        </pc:inkChg>
+      </pc:sldChg>
+      <pc:sldChg chg="addSp delSp modSp mod modClrScheme chgLayout">
+        <pc:chgData name="Carl Gruhn" userId="3bc36f80-60ee-4ed5-a605-94c4c23e9e3d" providerId="ADAL" clId="{DB5BE82D-A1F5-A440-B76E-DC5A59D03E18}" dt="2023-09-17T21:31:19.020" v="572" actId="478"/>
+        <pc:sldMkLst>
+          <pc:docMk/>
+          <pc:sldMk cId="511068068" sldId="258"/>
+        </pc:sldMkLst>
+        <pc:spChg chg="mod ord">
+          <ac:chgData name="Carl Gruhn" userId="3bc36f80-60ee-4ed5-a605-94c4c23e9e3d" providerId="ADAL" clId="{DB5BE82D-A1F5-A440-B76E-DC5A59D03E18}" dt="2023-09-17T21:31:11.350" v="570" actId="700"/>
+          <ac:spMkLst>
+            <pc:docMk/>
+            <pc:sldMk cId="511068068" sldId="258"/>
+            <ac:spMk id="2" creationId="{9E4FACA2-22B5-E38A-394E-256B6F1DA067}"/>
+          </ac:spMkLst>
+        </pc:spChg>
+        <pc:spChg chg="del mod ord">
+          <ac:chgData name="Carl Gruhn" userId="3bc36f80-60ee-4ed5-a605-94c4c23e9e3d" providerId="ADAL" clId="{DB5BE82D-A1F5-A440-B76E-DC5A59D03E18}" dt="2023-09-17T21:19:16.878" v="174"/>
+          <ac:spMkLst>
+            <pc:docMk/>
+            <pc:sldMk cId="511068068" sldId="258"/>
+            <ac:spMk id="3" creationId="{88E0A0D1-12E2-FB7B-8369-86DA972118FC}"/>
+          </ac:spMkLst>
+        </pc:spChg>
+        <pc:spChg chg="add del mod ord">
+          <ac:chgData name="Carl Gruhn" userId="3bc36f80-60ee-4ed5-a605-94c4c23e9e3d" providerId="ADAL" clId="{DB5BE82D-A1F5-A440-B76E-DC5A59D03E18}" dt="2023-09-17T21:31:19.020" v="572" actId="478"/>
+          <ac:spMkLst>
+            <pc:docMk/>
+            <pc:sldMk cId="511068068" sldId="258"/>
+            <ac:spMk id="4" creationId="{23AFE6D7-6F14-F88C-196B-0B9BFF0BC226}"/>
+          </ac:spMkLst>
+        </pc:spChg>
+        <pc:spChg chg="add del mod ord">
+          <ac:chgData name="Carl Gruhn" userId="3bc36f80-60ee-4ed5-a605-94c4c23e9e3d" providerId="ADAL" clId="{DB5BE82D-A1F5-A440-B76E-DC5A59D03E18}" dt="2023-09-17T21:31:14.944" v="571" actId="478"/>
+          <ac:spMkLst>
+            <pc:docMk/>
+            <pc:sldMk cId="511068068" sldId="258"/>
+            <ac:spMk id="5" creationId="{E40F1BC2-52B7-983B-EDCC-4202DD1FEE10}"/>
+          </ac:spMkLst>
+        </pc:spChg>
+        <pc:spChg chg="add del mod ord">
+          <ac:chgData name="Carl Gruhn" userId="3bc36f80-60ee-4ed5-a605-94c4c23e9e3d" providerId="ADAL" clId="{DB5BE82D-A1F5-A440-B76E-DC5A59D03E18}" dt="2023-09-17T21:31:11.350" v="570" actId="700"/>
+          <ac:spMkLst>
+            <pc:docMk/>
+            <pc:sldMk cId="511068068" sldId="258"/>
+            <ac:spMk id="6" creationId="{EC4B3AB3-B164-2E60-5370-74A97D4095D0}"/>
+          </ac:spMkLst>
+        </pc:spChg>
+        <pc:graphicFrameChg chg="add del mod ord modGraphic">
+          <ac:chgData name="Carl Gruhn" userId="3bc36f80-60ee-4ed5-a605-94c4c23e9e3d" providerId="ADAL" clId="{DB5BE82D-A1F5-A440-B76E-DC5A59D03E18}" dt="2023-09-17T21:15:25.834" v="140"/>
+          <ac:graphicFrameMkLst>
+            <pc:docMk/>
+            <pc:sldMk cId="511068068" sldId="258"/>
+            <ac:graphicFrameMk id="7" creationId="{EDBC7ACB-FFA6-A7DE-B7ED-0820A450E83A}"/>
+          </ac:graphicFrameMkLst>
+        </pc:graphicFrameChg>
+        <pc:graphicFrameChg chg="add del mod ord modGraphic">
+          <ac:chgData name="Carl Gruhn" userId="3bc36f80-60ee-4ed5-a605-94c4c23e9e3d" providerId="ADAL" clId="{DB5BE82D-A1F5-A440-B76E-DC5A59D03E18}" dt="2023-09-17T21:16:14.669" v="146"/>
+          <ac:graphicFrameMkLst>
+            <pc:docMk/>
+            <pc:sldMk cId="511068068" sldId="258"/>
+            <ac:graphicFrameMk id="10" creationId="{4CE1D91B-05B3-7117-CF17-FB2019ED2B15}"/>
+          </ac:graphicFrameMkLst>
+        </pc:graphicFrameChg>
+        <pc:graphicFrameChg chg="add mod ord modGraphic">
+          <ac:chgData name="Carl Gruhn" userId="3bc36f80-60ee-4ed5-a605-94c4c23e9e3d" providerId="ADAL" clId="{DB5BE82D-A1F5-A440-B76E-DC5A59D03E18}" dt="2023-09-17T21:31:11.350" v="570" actId="700"/>
+          <ac:graphicFrameMkLst>
+            <pc:docMk/>
+            <pc:sldMk cId="511068068" sldId="258"/>
+            <ac:graphicFrameMk id="11" creationId="{70DAFCC1-271D-6C2E-6013-7DA386DEAE0A}"/>
+          </ac:graphicFrameMkLst>
+        </pc:graphicFrameChg>
+        <pc:inkChg chg="add del">
+          <ac:chgData name="Carl Gruhn" userId="3bc36f80-60ee-4ed5-a605-94c4c23e9e3d" providerId="ADAL" clId="{DB5BE82D-A1F5-A440-B76E-DC5A59D03E18}" dt="2023-09-17T21:15:33.330" v="144"/>
+          <ac:inkMkLst>
+            <pc:docMk/>
+            <pc:sldMk cId="511068068" sldId="258"/>
+            <ac:inkMk id="8" creationId="{60944102-CC13-4807-ECF0-39D089077168}"/>
+          </ac:inkMkLst>
+        </pc:inkChg>
+        <pc:inkChg chg="add del">
+          <ac:chgData name="Carl Gruhn" userId="3bc36f80-60ee-4ed5-a605-94c4c23e9e3d" providerId="ADAL" clId="{DB5BE82D-A1F5-A440-B76E-DC5A59D03E18}" dt="2023-09-17T21:15:32.977" v="143"/>
+          <ac:inkMkLst>
+            <pc:docMk/>
+            <pc:sldMk cId="511068068" sldId="258"/>
+            <ac:inkMk id="9" creationId="{58B435D8-333F-392E-DC51-2994B9A4B826}"/>
+          </ac:inkMkLst>
+        </pc:inkChg>
+        <pc:cxnChg chg="add del mod">
+          <ac:chgData name="Carl Gruhn" userId="3bc36f80-60ee-4ed5-a605-94c4c23e9e3d" providerId="ADAL" clId="{DB5BE82D-A1F5-A440-B76E-DC5A59D03E18}" dt="2023-09-17T21:24:00.495" v="236" actId="478"/>
+          <ac:cxnSpMkLst>
+            <pc:docMk/>
+            <pc:sldMk cId="511068068" sldId="258"/>
+            <ac:cxnSpMk id="12" creationId="{96FD7D90-E227-A77F-C6D2-A9B618C1D5F8}"/>
+          </ac:cxnSpMkLst>
+        </pc:cxnChg>
+      </pc:sldChg>
+      <pc:sldChg chg="modSp">
+        <pc:chgData name="Carl Gruhn" userId="3bc36f80-60ee-4ed5-a605-94c4c23e9e3d" providerId="ADAL" clId="{DB5BE82D-A1F5-A440-B76E-DC5A59D03E18}" dt="2023-09-17T22:20:51.626" v="1190" actId="20577"/>
+        <pc:sldMkLst>
+          <pc:docMk/>
+          <pc:sldMk cId="3942605585" sldId="261"/>
+        </pc:sldMkLst>
+        <pc:spChg chg="mod">
+          <ac:chgData name="Carl Gruhn" userId="3bc36f80-60ee-4ed5-a605-94c4c23e9e3d" providerId="ADAL" clId="{DB5BE82D-A1F5-A440-B76E-DC5A59D03E18}" dt="2023-09-17T22:20:51.626" v="1190" actId="20577"/>
+          <ac:spMkLst>
+            <pc:docMk/>
+            <pc:sldMk cId="3942605585" sldId="261"/>
+            <ac:spMk id="3" creationId="{B2FA5F9B-D172-8017-1DF1-D16E0711A976}"/>
+          </ac:spMkLst>
+        </pc:spChg>
+      </pc:sldChg>
+      <pc:sldChg chg="addSp modSp mod modClrScheme chgLayout">
+        <pc:chgData name="Carl Gruhn" userId="3bc36f80-60ee-4ed5-a605-94c4c23e9e3d" providerId="ADAL" clId="{DB5BE82D-A1F5-A440-B76E-DC5A59D03E18}" dt="2023-09-17T22:15:53.792" v="1015" actId="20577"/>
+        <pc:sldMkLst>
+          <pc:docMk/>
+          <pc:sldMk cId="1948514249" sldId="263"/>
+        </pc:sldMkLst>
+        <pc:spChg chg="mod ord">
+          <ac:chgData name="Carl Gruhn" userId="3bc36f80-60ee-4ed5-a605-94c4c23e9e3d" providerId="ADAL" clId="{DB5BE82D-A1F5-A440-B76E-DC5A59D03E18}" dt="2023-09-17T22:06:28.010" v="806" actId="700"/>
+          <ac:spMkLst>
+            <pc:docMk/>
+            <pc:sldMk cId="1948514249" sldId="263"/>
+            <ac:spMk id="2" creationId="{5A176830-FE80-11D5-BB93-88FB12715141}"/>
+          </ac:spMkLst>
+        </pc:spChg>
+        <pc:spChg chg="mod ord">
+          <ac:chgData name="Carl Gruhn" userId="3bc36f80-60ee-4ed5-a605-94c4c23e9e3d" providerId="ADAL" clId="{DB5BE82D-A1F5-A440-B76E-DC5A59D03E18}" dt="2023-09-17T22:15:53.792" v="1015" actId="20577"/>
+          <ac:spMkLst>
+            <pc:docMk/>
+            <pc:sldMk cId="1948514249" sldId="263"/>
+            <ac:spMk id="3" creationId="{C86591A2-48DA-DA60-217E-7435CA77C7DC}"/>
+          </ac:spMkLst>
+        </pc:spChg>
+        <pc:spChg chg="add mod ord">
+          <ac:chgData name="Carl Gruhn" userId="3bc36f80-60ee-4ed5-a605-94c4c23e9e3d" providerId="ADAL" clId="{DB5BE82D-A1F5-A440-B76E-DC5A59D03E18}" dt="2023-09-17T22:14:29.973" v="995" actId="20577"/>
+          <ac:spMkLst>
+            <pc:docMk/>
+            <pc:sldMk cId="1948514249" sldId="263"/>
+            <ac:spMk id="4" creationId="{A2F1B144-C118-C96B-6ADE-91D5780F7FA1}"/>
+          </ac:spMkLst>
+        </pc:spChg>
+        <pc:spChg chg="add mod ord">
+          <ac:chgData name="Carl Gruhn" userId="3bc36f80-60ee-4ed5-a605-94c4c23e9e3d" providerId="ADAL" clId="{DB5BE82D-A1F5-A440-B76E-DC5A59D03E18}" dt="2023-09-17T22:13:37.995" v="959" actId="113"/>
+          <ac:spMkLst>
+            <pc:docMk/>
+            <pc:sldMk cId="1948514249" sldId="263"/>
+            <ac:spMk id="5" creationId="{11EACF58-4AC3-8186-0DCD-E06CE852A227}"/>
+          </ac:spMkLst>
+        </pc:spChg>
+        <pc:spChg chg="add mod ord">
+          <ac:chgData name="Carl Gruhn" userId="3bc36f80-60ee-4ed5-a605-94c4c23e9e3d" providerId="ADAL" clId="{DB5BE82D-A1F5-A440-B76E-DC5A59D03E18}" dt="2023-09-17T22:14:12.703" v="966" actId="255"/>
+          <ac:spMkLst>
+            <pc:docMk/>
+            <pc:sldMk cId="1948514249" sldId="263"/>
+            <ac:spMk id="6" creationId="{CBD27BB6-B22F-E4C0-C412-16186CC53674}"/>
+          </ac:spMkLst>
+        </pc:spChg>
+      </pc:sldChg>
+    </pc:docChg>
+  </pc:docChgLst>
+</pc:chgInfo>
+</file>
+
+<file path=ppt/diagrams/colors1.xml><?xml version="1.0" encoding="utf-8"?>
+<dgm:colorsDef xmlns:dgm="http://schemas.openxmlformats.org/drawingml/2006/diagram" xmlns:a="http://schemas.openxmlformats.org/drawingml/2006/main" uniqueId="urn:microsoft.com/office/officeart/2005/8/colors/accent0_2">
+  <dgm:title val=""/>
+  <dgm:desc val=""/>
+  <dgm:catLst>
+    <dgm:cat type="mainScheme" pri="10200"/>
+  </dgm:catLst>
+  <dgm:styleLbl name="node0">
+    <dgm:fillClrLst meth="repeat">
+      <a:schemeClr val="lt1"/>
+    </dgm:fillClrLst>
+    <dgm:linClrLst meth="repeat">
+      <a:schemeClr val="dk2">
+        <a:shade val="80000"/>
+      </a:schemeClr>
+    </dgm:linClrLst>
+    <dgm:effectClrLst/>
+    <dgm:txLinClrLst/>
+    <dgm:txFillClrLst meth="repeat">
+      <a:schemeClr val="dk2"/>
+    </dgm:txFillClrLst>
+    <dgm:txEffectClrLst/>
+  </dgm:styleLbl>
+  <dgm:styleLbl name="node1">
+    <dgm:fillClrLst meth="repeat">
+      <a:schemeClr val="lt1"/>
+    </dgm:fillClrLst>
+    <dgm:linClrLst meth="repeat">
+      <a:schemeClr val="dk2">
+        <a:shade val="80000"/>
+      </a:schemeClr>
+    </dgm:linClrLst>
+    <dgm:effectClrLst/>
+    <dgm:txLinClrLst/>
+    <dgm:txFillClrLst meth="repeat">
+      <a:schemeClr val="dk2"/>
+    </dgm:txFillClrLst>
+    <dgm:txEffectClrLst/>
+  </dgm:styleLbl>
+  <dgm:styleLbl name="alignNode1">
+    <dgm:fillClrLst meth="repeat">
+      <a:schemeClr val="lt1"/>
+    </dgm:fillClrLst>
+    <dgm:linClrLst meth="repeat">
+      <a:schemeClr val="dk2">
+        <a:shade val="80000"/>
+      </a:schemeClr>
+    </dgm:linClrLst>
+    <dgm:effectClrLst/>
+    <dgm:txLinClrLst/>
+    <dgm:txFillClrLst meth="repeat">
+      <a:schemeClr val="dk2"/>
+    </dgm:txFillClrLst>
+    <dgm:txEffectClrLst/>
+  </dgm:styleLbl>
+  <dgm:styleLbl name="lnNode1">
+    <dgm:fillClrLst meth="repeat">
+      <a:schemeClr val="lt1"/>
+    </dgm:fillClrLst>
+    <dgm:linClrLst meth="repeat">
+      <a:schemeClr val="dk2">
+        <a:shade val="80000"/>
+      </a:schemeClr>
+    </dgm:linClrLst>
+    <dgm:effectClrLst/>
+    <dgm:txLinClrLst/>
+    <dgm:txFillClrLst meth="repeat">
+      <a:schemeClr val="dk2"/>
+    </dgm:txFillClrLst>
+    <dgm:txEffectClrLst/>
+  </dgm:styleLbl>
+  <dgm:styleLbl name="vennNode1">
+    <dgm:fillClrLst meth="repeat">
+      <a:schemeClr val="lt1">
+        <a:alpha val="50000"/>
+      </a:schemeClr>
+    </dgm:fillClrLst>
+    <dgm:linClrLst meth="repeat">
+      <a:schemeClr val="dk2">
+        <a:shade val="80000"/>
+      </a:schemeClr>
+    </dgm:linClrLst>
+    <dgm:effectClrLst/>
+    <dgm:txLinClrLst/>
+    <dgm:txFillClrLst/>
+    <dgm:txEffectClrLst/>
+  </dgm:styleLbl>
+  <dgm:styleLbl name="node2">
+    <dgm:fillClrLst meth="repeat">
+      <a:schemeClr val="lt1"/>
+    </dgm:fillClrLst>
+    <dgm:linClrLst meth="repeat">
+      <a:schemeClr val="dk2">
+        <a:shade val="80000"/>
+      </a:schemeClr>
+    </dgm:linClrLst>
+    <dgm:effectClrLst/>
+    <dgm:txLinClrLst/>
+    <dgm:txFillClrLst meth="repeat">
+      <a:schemeClr val="dk2"/>
+    </dgm:txFillClrLst>
+    <dgm:txEffectClrLst/>
+  </dgm:styleLbl>
+  <dgm:styleLbl name="node3">
+    <dgm:fillClrLst meth="repeat">
+      <a:schemeClr val="lt1"/>
+    </dgm:fillClrLst>
+    <dgm:linClrLst meth="repeat">
+      <a:schemeClr val="dk2">
+        <a:shade val="80000"/>
+      </a:schemeClr>
+    </dgm:linClrLst>
+    <dgm:effectClrLst/>
+    <dgm:txLinClrLst/>
+    <dgm:txFillClrLst meth="repeat">
+      <a:schemeClr val="dk2"/>
+    </dgm:txFillClrLst>
+    <dgm:txEffectClrLst/>
+  </dgm:styleLbl>
+  <dgm:styleLbl name="node4">
+    <dgm:fillClrLst meth="repeat">
+      <a:schemeClr val="lt1"/>
+    </dgm:fillClrLst>
+    <dgm:linClrLst meth="repeat">
+      <a:schemeClr val="dk2">
+        <a:shade val="80000"/>
+      </a:schemeClr>
+    </dgm:linClrLst>
+    <dgm:effectClrLst/>
+    <dgm:txLinClrLst/>
+    <dgm:txFillClrLst meth="repeat">
+      <a:schemeClr val="dk2"/>
+    </dgm:txFillClrLst>
+    <dgm:txEffectClrLst/>
+  </dgm:styleLbl>
+  <dgm:styleLbl name="fgImgPlace1">
+    <dgm:fillClrLst meth="repeat">
+      <a:schemeClr val="dk2">
+        <a:tint val="40000"/>
+      </a:schemeClr>
+    </dgm:fillClrLst>
+    <dgm:linClrLst meth="repeat">
+      <a:schemeClr val="dk2">
+        <a:shade val="80000"/>
+      </a:schemeClr>
+    </dgm:linClrLst>
+    <dgm:effectClrLst/>
+    <dgm:txLinClrLst/>
+    <dgm:txFillClrLst meth="repeat">
+      <a:schemeClr val="lt1"/>
+    </dgm:txFillClrLst>
+    <dgm:txEffectClrLst/>
+  </dgm:styleLbl>
+  <dgm:styleLbl name="alignImgPlace1">
+    <dgm:fillClrLst meth="repeat">
+      <a:schemeClr val="dk2">
+        <a:tint val="40000"/>
+      </a:schemeClr>
+    </dgm:fillClrLst>
+    <dgm:linClrLst meth="repeat">
+      <a:schemeClr val="dk2">
+        <a:shade val="80000"/>
+      </a:schemeClr>
+    </dgm:linClrLst>
+    <dgm:effectClrLst/>
+    <dgm:txLinClrLst/>
+    <dgm:txFillClrLst meth="repeat">
+      <a:schemeClr val="lt1"/>
+    </dgm:txFillClrLst>
+    <dgm:txEffectClrLst/>
+  </dgm:styleLbl>
+  <dgm:styleLbl name="bgImgPlace1">
+    <dgm:fillClrLst meth="repeat">
+      <a:schemeClr val="dk2">
+        <a:tint val="40000"/>
+      </a:schemeClr>
+    </dgm:fillClrLst>
+    <dgm:linClrLst meth="repeat">
+      <a:schemeClr val="dk2">
+        <a:shade val="80000"/>
+      </a:schemeClr>
+    </dgm:linClrLst>
+    <dgm:effectClrLst/>
+    <dgm:txLinClrLst/>
+    <dgm:txFillClrLst meth="repeat">
+      <a:schemeClr val="lt1"/>
+    </dgm:txFillClrLst>
+    <dgm:txEffectClrLst/>
+  </dgm:styleLbl>
+  <dgm:styleLbl name="sibTrans2D1">
+    <dgm:fillClrLst meth="repeat">
+      <a:schemeClr val="dk2">
+        <a:tint val="60000"/>
+      </a:schemeClr>
+    </dgm:fillClrLst>
+    <dgm:linClrLst meth="repeat">
+      <a:schemeClr val="dk2">
+        <a:tint val="60000"/>
+      </a:schemeClr>
+    </dgm:linClrLst>
+    <dgm:effectClrLst/>
+    <dgm:txLinClrLst/>
+    <dgm:txFillClrLst meth="repeat">
+      <a:schemeClr val="dk2"/>
+    </dgm:txFillClrLst>
+    <dgm:txEffectClrLst/>
+  </dgm:styleLbl>
+  <dgm:styleLbl name="fgSibTrans2D1">
+    <dgm:fillClrLst meth="repeat">
+      <a:schemeClr val="dk2">
+        <a:tint val="60000"/>
+      </a:schemeClr>
+    </dgm:fillClrLst>
+    <dgm:linClrLst meth="repeat">
+      <a:schemeClr val="dk2">
+        <a:tint val="60000"/>
+      </a:schemeClr>
+    </dgm:linClrLst>
+    <dgm:effectClrLst/>
+    <dgm:txLinClrLst/>
+    <dgm:txFillClrLst meth="repeat">
+      <a:schemeClr val="dk2"/>
+    </dgm:txFillClrLst>
+    <dgm:txEffectClrLst/>
+  </dgm:styleLbl>
+  <dgm:styleLbl name="bgSibTrans2D1">
+    <dgm:fillClrLst meth="repeat">
+      <a:schemeClr val="dk2">
+        <a:tint val="60000"/>
+      </a:schemeClr>
+    </dgm:fillClrLst>
+    <dgm:linClrLst meth="repeat">
+      <a:schemeClr val="dk2">
+        <a:tint val="60000"/>
+      </a:schemeClr>
+    </dgm:linClrLst>
+    <dgm:effectClrLst/>
+    <dgm:txLinClrLst/>
+    <dgm:txFillClrLst meth="repeat">
+      <a:schemeClr val="dk2"/>
+    </dgm:txFillClrLst>
+    <dgm:txEffectClrLst/>
+  </dgm:styleLbl>
+  <dgm:styleLbl name="sibTrans1D1">
+    <dgm:fillClrLst meth="repeat">
+      <a:schemeClr val="dk2"/>
+    </dgm:fillClrLst>
+    <dgm:linClrLst meth="repeat">
+      <a:schemeClr val="dk2"/>
+    </dgm:linClrLst>
+    <dgm:effectClrLst/>
+    <dgm:txLinClrLst/>
+    <dgm:txFillClrLst meth="repeat">
+      <a:schemeClr val="tx1"/>
+    </dgm:txFillClrLst>
+    <dgm:txEffectClrLst/>
+  </dgm:styleLbl>
+  <dgm:styleLbl name="callout">
+    <dgm:fillClrLst meth="repeat">
+      <a:schemeClr val="dk2"/>
+    </dgm:fillClrLst>
+    <dgm:linClrLst meth="repeat">
+      <a:schemeClr val="dk2"/>
+    </dgm:linClrLst>
+    <dgm:effectClrLst/>
+    <dgm:txLinClrLst/>
+    <dgm:txFillClrLst meth="repeat">
+      <a:schemeClr val="tx1"/>
+    </dgm:txFillClrLst>
+    <dgm:txEffectClrLst/>
+  </dgm:styleLbl>
+  <dgm:styleLbl name="asst0">
+    <dgm:fillClrLst meth="repeat">
+      <a:schemeClr val="lt1"/>
+    </dgm:fillClrLst>
+    <dgm:linClrLst meth="repeat">
+      <a:schemeClr val="dk2">
+        <a:shade val="80000"/>
+      </a:schemeClr>
+    </dgm:linClrLst>
+    <dgm:effectClrLst/>
+    <dgm:txLinClrLst/>
+    <dgm:txFillClrLst meth="repeat">
+      <a:schemeClr val="dk2"/>
+    </dgm:txFillClrLst>
+    <dgm:txEffectClrLst/>
+  </dgm:styleLbl>
+  <dgm:styleLbl name="asst1">
+    <dgm:fillClrLst meth="repeat">
+      <a:schemeClr val="lt1"/>
+    </dgm:fillClrLst>
+    <dgm:linClrLst meth="repeat">
+      <a:schemeClr val="dk2">
+        <a:shade val="80000"/>
+      </a:schemeClr>
+    </dgm:linClrLst>
+    <dgm:effectClrLst/>
+    <dgm:txLinClrLst/>
+    <dgm:txFillClrLst meth="repeat">
+      <a:schemeClr val="dk2"/>
+    </dgm:txFillClrLst>
+    <dgm:txEffectClrLst/>
+  </dgm:styleLbl>
+  <dgm:styleLbl name="asst2">
+    <dgm:fillClrLst meth="repeat">
+      <a:schemeClr val="lt1"/>
+    </dgm:fillClrLst>
+    <dgm:linClrLst meth="repeat">
+      <a:schemeClr val="dk2">
+        <a:shade val="80000"/>
+      </a:schemeClr>
+    </dgm:linClrLst>
+    <dgm:effectClrLst/>
+    <dgm:txLinClrLst/>
+    <dgm:txFillClrLst meth="repeat">
+      <a:schemeClr val="dk2"/>
+    </dgm:txFillClrLst>
+    <dgm:txEffectClrLst/>
+  </dgm:styleLbl>
+  <dgm:styleLbl name="asst3">
+    <dgm:fillClrLst meth="repeat">
+      <a:schemeClr val="lt1"/>
+    </dgm:fillClrLst>
+    <dgm:linClrLst meth="repeat">
+      <a:schemeClr val="dk2">
+        <a:shade val="80000"/>
+      </a:schemeClr>
+    </dgm:linClrLst>
+    <dgm:effectClrLst/>
+    <dgm:txLinClrLst/>
+    <dgm:txFillClrLst meth="repeat">
+      <a:schemeClr val="dk2"/>
+    </dgm:txFillClrLst>
+    <dgm:txEffectClrLst/>
+  </dgm:styleLbl>
+  <dgm:styleLbl name="asst4">
+    <dgm:fillClrLst meth="repeat">
+      <a:schemeClr val="lt1"/>
+    </dgm:fillClrLst>
+    <dgm:linClrLst meth="repeat">
+      <a:schemeClr val="dk2">
+        <a:shade val="80000"/>
+      </a:schemeClr>
+    </dgm:linClrLst>
+    <dgm:effectClrLst/>
+    <dgm:txLinClrLst/>
+    <dgm:txFillClrLst meth="repeat">
+      <a:schemeClr val="dk2"/>
+    </dgm:txFillClrLst>
+    <dgm:txEffectClrLst/>
+  </dgm:styleLbl>
+  <dgm:styleLbl name="parChTrans2D1">
+    <dgm:fillClrLst meth="repeat">
+      <a:schemeClr val="dk2">
+        <a:tint val="60000"/>
+      </a:schemeClr>
+    </dgm:fillClrLst>
+    <dgm:linClrLst meth="repeat">
+      <a:schemeClr val="dk2">
+        <a:tint val="60000"/>
+      </a:schemeClr>
+    </dgm:linClrLst>
+    <dgm:effectClrLst/>
+    <dgm:txLinClrLst/>
+    <dgm:txFillClrLst/>
+    <dgm:txEffectClrLst/>
+  </dgm:styleLbl>
+  <dgm:styleLbl name="parChTrans2D2">
+    <dgm:fillClrLst meth="repeat">
+      <a:schemeClr val="dk2"/>
+    </dgm:fillClrLst>
+    <dgm:linClrLst meth="repeat">
+      <a:schemeClr val="dk2"/>
+    </dgm:linClrLst>
+    <dgm:effectClrLst/>
+    <dgm:txLinClrLst/>
+    <dgm:txFillClrLst/>
+    <dgm:txEffectClrLst/>
+  </dgm:styleLbl>
+  <dgm:styleLbl name="parChTrans2D3">
+    <dgm:fillClrLst meth="repeat">
+      <a:schemeClr val="dk2"/>
+    </dgm:fillClrLst>
+    <dgm:linClrLst meth="repeat">
+      <a:schemeClr val="dk2"/>
+    </dgm:linClrLst>
+    <dgm:effectClrLst/>
+    <dgm:txLinClrLst/>
+    <dgm:txFillClrLst/>
+    <dgm:txEffectClrLst/>
+  </dgm:styleLbl>
+  <dgm:styleLbl name="parChTrans2D4">
+    <dgm:fillClrLst meth="repeat">
+      <a:schemeClr val="dk2"/>
+    </dgm:fillClrLst>
+    <dgm:linClrLst meth="repeat">
+      <a:schemeClr val="dk2"/>
+    </dgm:linClrLst>
+    <dgm:effectClrLst/>
+    <dgm:txLinClrLst/>
+    <dgm:txFillClrLst meth="repeat">
+      <a:schemeClr val="lt1"/>
+    </dgm:txFillClrLst>
+    <dgm:txEffectClrLst/>
+  </dgm:styleLbl>
+  <dgm:styleLbl name="parChTrans1D1">
+    <dgm:fillClrLst meth="repeat">
+      <a:schemeClr val="dk2"/>
+    </dgm:fillClrLst>
+    <dgm:linClrLst meth="repeat">
+      <a:schemeClr val="dk2">
+        <a:shade val="60000"/>
+      </a:schemeClr>
+    </dgm:linClrLst>
+    <dgm:effectClrLst/>
+    <dgm:txLinClrLst/>
+    <dgm:txFillClrLst meth="repeat">
+      <a:schemeClr val="tx1"/>
+    </dgm:txFillClrLst>
+    <dgm:txEffectClrLst/>
+  </dgm:styleLbl>
+  <dgm:styleLbl name="parChTrans1D2">
+    <dgm:fillClrLst meth="repeat">
+      <a:schemeClr val="dk2"/>
+    </dgm:fillClrLst>
+    <dgm:linClrLst meth="repeat">
+      <a:schemeClr val="dk2">
+        <a:shade val="60000"/>
+      </a:schemeClr>
+    </dgm:linClrLst>
+    <dgm:effectClrLst/>
+    <dgm:txLinClrLst/>
+    <dgm:txFillClrLst meth="repeat">
+      <a:schemeClr val="tx1"/>
+    </dgm:txFillClrLst>
+    <dgm:txEffectClrLst/>
+  </dgm:styleLbl>
+  <dgm:styleLbl name="parChTrans1D3">
+    <dgm:fillClrLst meth="repeat">
+      <a:schemeClr val="dk2"/>
+    </dgm:fillClrLst>
+    <dgm:linClrLst meth="repeat">
+      <a:schemeClr val="dk2">
+        <a:shade val="80000"/>
+      </a:schemeClr>
+    </dgm:linClrLst>
+    <dgm:effectClrLst/>
+    <dgm:txLinClrLst/>
+    <dgm:txFillClrLst meth="repeat">
+      <a:schemeClr val="tx1"/>
+    </dgm:txFillClrLst>
+    <dgm:txEffectClrLst/>
+  </dgm:styleLbl>
+  <dgm:styleLbl name="parChTrans1D4">
+    <dgm:fillClrLst meth="repeat">
+      <a:schemeClr val="dk2"/>
+    </dgm:fillClrLst>
+    <dgm:linClrLst meth="repeat">
+      <a:schemeClr val="dk2">
+        <a:shade val="80000"/>
+      </a:schemeClr>
+    </dgm:linClrLst>
+    <dgm:effectClrLst/>
+    <dgm:txLinClrLst/>
+    <dgm:txFillClrLst meth="repeat">
+      <a:schemeClr val="tx1"/>
+    </dgm:txFillClrLst>
+    <dgm:txEffectClrLst/>
+  </dgm:styleLbl>
+  <dgm:styleLbl name="fgAcc1">
+    <dgm:fillClrLst meth="repeat">
+      <a:schemeClr val="dk2">
+        <a:alpha val="90000"/>
+        <a:tint val="40000"/>
+      </a:schemeClr>
+    </dgm:fillClrLst>
+    <dgm:linClrLst meth="repeat">
+      <a:schemeClr val="dk2"/>
+    </dgm:linClrLst>
+    <dgm:effectClrLst/>
+    <dgm:txLinClrLst/>
+    <dgm:txFillClrLst meth="repeat">
+      <a:schemeClr val="dk2"/>
+    </dgm:txFillClrLst>
+    <dgm:txEffectClrLst/>
+  </dgm:styleLbl>
+  <dgm:styleLbl name="conFgAcc1">
+    <dgm:fillClrLst meth="repeat">
+      <a:schemeClr val="dk2">
+        <a:alpha val="90000"/>
+        <a:tint val="40000"/>
+      </a:schemeClr>
+    </dgm:fillClrLst>
+    <dgm:linClrLst meth="repeat">
+      <a:schemeClr val="dk2"/>
+    </dgm:linClrLst>
+    <dgm:effectClrLst/>
+    <dgm:txLinClrLst/>
+    <dgm:txFillClrLst meth="repeat">
+      <a:schemeClr val="dk2"/>
+    </dgm:txFillClrLst>
+    <dgm:txEffectClrLst/>
+  </dgm:styleLbl>
+  <dgm:styleLbl name="alignAcc1">
+    <dgm:fillClrLst meth="repeat">
+      <a:schemeClr val="dk2">
+        <a:alpha val="90000"/>
+        <a:tint val="40000"/>
+      </a:schemeClr>
+    </dgm:fillClrLst>
+    <dgm:linClrLst meth="repeat">
+      <a:schemeClr val="dk2"/>
+    </dgm:linClrLst>
+    <dgm:effectClrLst/>
+    <dgm:txLinClrLst/>
+    <dgm:txFillClrLst meth="repeat">
+      <a:schemeClr val="dk2"/>
+    </dgm:txFillClrLst>
+    <dgm:txEffectClrLst/>
+  </dgm:styleLbl>
+  <dgm:styleLbl name="trAlignAcc1">
+    <dgm:fillClrLst meth="repeat">
+      <a:schemeClr val="dk2">
+        <a:alpha val="40000"/>
+        <a:tint val="40000"/>
+      </a:schemeClr>
+    </dgm:fillClrLst>
+    <dgm:linClrLst meth="repeat">
+      <a:schemeClr val="dk2"/>
+    </dgm:linClrLst>
+    <dgm:effectClrLst/>
+    <dgm:txLinClrLst/>
+    <dgm:txFillClrLst meth="repeat">
+      <a:schemeClr val="dk2"/>
+    </dgm:txFillClrLst>
+    <dgm:txEffectClrLst/>
+  </dgm:styleLbl>
+  <dgm:styleLbl name="bgAcc1">
+    <dgm:fillClrLst meth="repeat">
+      <a:schemeClr val="dk2">
+        <a:alpha val="90000"/>
+        <a:tint val="40000"/>
+      </a:schemeClr>
+    </dgm:fillClrLst>
+    <dgm:linClrLst meth="repeat">
+      <a:schemeClr val="dk2"/>
+    </dgm:linClrLst>
+    <dgm:effectClrLst/>
+    <dgm:txLinClrLst/>
+    <dgm:txFillClrLst meth="repeat">
+      <a:schemeClr val="dk2"/>
+    </dgm:txFillClrLst>
+    <dgm:txEffectClrLst/>
+  </dgm:styleLbl>
+  <dgm:styleLbl name="solidFgAcc1">
+    <dgm:fillClrLst meth="repeat">
+      <a:schemeClr val="lt1"/>
+    </dgm:fillClrLst>
+    <dgm:linClrLst meth="repeat">
+      <a:schemeClr val="dk2"/>
+    </dgm:linClrLst>
+    <dgm:effectClrLst/>
+    <dgm:txLinClrLst/>
+    <dgm:txFillClrLst meth="repeat">
+      <a:schemeClr val="dk2"/>
+    </dgm:txFillClrLst>
+    <dgm:txEffectClrLst/>
+  </dgm:styleLbl>
+  <dgm:styleLbl name="solidAlignAcc1">
+    <dgm:fillClrLst meth="repeat">
+      <a:schemeClr val="lt1"/>
+    </dgm:fillClrLst>
+    <dgm:linClrLst meth="repeat">
+      <a:schemeClr val="dk2"/>
+    </dgm:linClrLst>
+    <dgm:effectClrLst/>
+    <dgm:txLinClrLst/>
+    <dgm:txFillClrLst meth="repeat">
+      <a:schemeClr val="dk2"/>
+    </dgm:txFillClrLst>
+    <dgm:txEffectClrLst/>
+  </dgm:styleLbl>
+  <dgm:styleLbl name="solidBgAcc1">
+    <dgm:fillClrLst meth="repeat">
+      <a:schemeClr val="lt1"/>
+    </dgm:fillClrLst>
+    <dgm:linClrLst meth="repeat">
+      <a:schemeClr val="dk2"/>
+    </dgm:linClrLst>
+    <dgm:effectClrLst/>
+    <dgm:txLinClrLst/>
+    <dgm:txFillClrLst meth="repeat">
+      <a:schemeClr val="dk2"/>
+    </dgm:txFillClrLst>
+    <dgm:txEffectClrLst/>
+  </dgm:styleLbl>
+  <dgm:styleLbl name="fgAccFollowNode1">
+    <dgm:fillClrLst meth="repeat">
+      <a:schemeClr val="lt1">
+        <a:alpha val="90000"/>
+        <a:tint val="40000"/>
+      </a:schemeClr>
+    </dgm:fillClrLst>
+    <dgm:linClrLst meth="repeat">
+      <a:schemeClr val="dk2">
+        <a:alpha val="90000"/>
+      </a:schemeClr>
+    </dgm:linClrLst>
+    <dgm:effectClrLst/>
+    <dgm:txLinClrLst/>
+    <dgm:txFillClrLst meth="repeat">
+      <a:schemeClr val="dk2"/>
+    </dgm:txFillClrLst>
+    <dgm:txEffectClrLst/>
+  </dgm:styleLbl>
+  <dgm:styleLbl name="alignAccFollowNode1">
+    <dgm:fillClrLst meth="repeat">
+      <a:schemeClr val="lt1">
+        <a:alpha val="90000"/>
+        <a:tint val="40000"/>
+      </a:schemeClr>
+    </dgm:fillClrLst>
+    <dgm:linClrLst meth="repeat">
+      <a:schemeClr val="dk2">
+        <a:alpha val="90000"/>
+      </a:schemeClr>
+    </dgm:linClrLst>
+    <dgm:effectClrLst/>
+    <dgm:txLinClrLst/>
+    <dgm:txFillClrLst meth="repeat">
+      <a:schemeClr val="dk2"/>
+    </dgm:txFillClrLst>
+    <dgm:txEffectClrLst/>
+  </dgm:styleLbl>
+  <dgm:styleLbl name="bgAccFollowNode1">
+    <dgm:fillClrLst meth="repeat">
+      <a:schemeClr val="lt1">
+        <a:alpha val="90000"/>
+        <a:tint val="40000"/>
+      </a:schemeClr>
+    </dgm:fillClrLst>
+    <dgm:linClrLst meth="repeat">
+      <a:schemeClr val="dk2">
+        <a:alpha val="90000"/>
+      </a:schemeClr>
+    </dgm:linClrLst>
+    <dgm:effectClrLst/>
+    <dgm:txLinClrLst/>
+    <dgm:txFillClrLst meth="repeat">
+      <a:schemeClr val="dk2"/>
+    </dgm:txFillClrLst>
+    <dgm:txEffectClrLst/>
+  </dgm:styleLbl>
+  <dgm:styleLbl name="fgAcc0">
+    <dgm:fillClrLst meth="repeat">
+      <a:schemeClr val="dk2">
+        <a:alpha val="90000"/>
+        <a:tint val="40000"/>
+      </a:schemeClr>
+    </dgm:fillClrLst>
+    <dgm:linClrLst meth="repeat">
+      <a:schemeClr val="dk2"/>
+    </dgm:linClrLst>
+    <dgm:effectClrLst/>
+    <dgm:txLinClrLst/>
+    <dgm:txFillClrLst meth="repeat">
+      <a:schemeClr val="dk2"/>
+    </dgm:txFillClrLst>
+    <dgm:txEffectClrLst/>
+  </dgm:styleLbl>
+  <dgm:styleLbl name="fgAcc2">
+    <dgm:fillClrLst meth="repeat">
+      <a:schemeClr val="dk2">
+        <a:alpha val="90000"/>
+        <a:tint val="40000"/>
+      </a:schemeClr>
+    </dgm:fillClrLst>
+    <dgm:linClrLst meth="repeat">
+      <a:schemeClr val="dk2"/>
+    </dgm:linClrLst>
+    <dgm:effectClrLst/>
+    <dgm:txLinClrLst/>
+    <dgm:txFillClrLst meth="repeat">
+      <a:schemeClr val="dk2"/>
+    </dgm:txFillClrLst>
+    <dgm:txEffectClrLst/>
+  </dgm:styleLbl>
+  <dgm:styleLbl name="fgAcc3">
+    <dgm:fillClrLst meth="repeat">
+      <a:schemeClr val="dk2">
+        <a:alpha val="90000"/>
+        <a:tint val="40000"/>
+      </a:schemeClr>
+    </dgm:fillClrLst>
+    <dgm:linClrLst meth="repeat">
+      <a:schemeClr val="dk2"/>
+    </dgm:linClrLst>
+    <dgm:effectClrLst/>
+    <dgm:txLinClrLst/>
+    <dgm:txFillClrLst meth="repeat">
+      <a:schemeClr val="dk2"/>
+    </dgm:txFillClrLst>
+    <dgm:txEffectClrLst/>
+  </dgm:styleLbl>
+  <dgm:styleLbl name="fgAcc4">
+    <dgm:fillClrLst meth="repeat">
+      <a:schemeClr val="dk2">
+        <a:alpha val="90000"/>
+        <a:tint val="40000"/>
+      </a:schemeClr>
+    </dgm:fillClrLst>
+    <dgm:linClrLst meth="repeat">
+      <a:schemeClr val="dk2"/>
+    </dgm:linClrLst>
+    <dgm:effectClrLst/>
+    <dgm:txLinClrLst/>
+    <dgm:txFillClrLst meth="repeat">
+      <a:schemeClr val="dk2"/>
+    </dgm:txFillClrLst>
+    <dgm:txEffectClrLst/>
+  </dgm:styleLbl>
+  <dgm:styleLbl name="bgShp">
+    <dgm:fillClrLst meth="repeat">
+      <a:schemeClr val="dk2">
+        <a:tint val="40000"/>
+      </a:schemeClr>
+    </dgm:fillClrLst>
+    <dgm:linClrLst meth="repeat">
+      <a:schemeClr val="dk2"/>
+    </dgm:linClrLst>
+    <dgm:effectClrLst/>
+    <dgm:txLinClrLst/>
+    <dgm:txFillClrLst meth="repeat">
+      <a:schemeClr val="dk1"/>
+    </dgm:txFillClrLst>
+    <dgm:txEffectClrLst/>
+  </dgm:styleLbl>
+  <dgm:styleLbl name="dkBgShp">
+    <dgm:fillClrLst meth="repeat">
+      <a:schemeClr val="dk2">
+        <a:shade val="80000"/>
+      </a:schemeClr>
+    </dgm:fillClrLst>
+    <dgm:linClrLst meth="repeat">
+      <a:schemeClr val="dk2"/>
+    </dgm:linClrLst>
+    <dgm:effectClrLst/>
+    <dgm:txLinClrLst/>
+    <dgm:txFillClrLst meth="repeat">
+      <a:schemeClr val="lt2"/>
+    </dgm:txFillClrLst>
+    <dgm:txEffectClrLst/>
+  </dgm:styleLbl>
+  <dgm:styleLbl name="trBgShp">
+    <dgm:fillClrLst meth="repeat">
+      <a:schemeClr val="dk2">
+        <a:tint val="50000"/>
+        <a:alpha val="40000"/>
+      </a:schemeClr>
+    </dgm:fillClrLst>
+    <dgm:linClrLst meth="repeat">
+      <a:schemeClr val="dk2"/>
+    </dgm:linClrLst>
+    <dgm:effectClrLst/>
+    <dgm:txLinClrLst/>
+    <dgm:txFillClrLst meth="repeat">
+      <a:schemeClr val="lt2"/>
+    </dgm:txFillClrLst>
+    <dgm:txEffectClrLst/>
+  </dgm:styleLbl>
+  <dgm:styleLbl name="fgShp">
+    <dgm:fillClrLst meth="repeat">
+      <a:schemeClr val="dk2">
+        <a:tint val="60000"/>
+      </a:schemeClr>
+    </dgm:fillClrLst>
+    <dgm:linClrLst meth="repeat">
+      <a:schemeClr val="lt1"/>
+    </dgm:linClrLst>
+    <dgm:effectClrLst/>
+    <dgm:txLinClrLst/>
+    <dgm:txFillClrLst meth="repeat">
+      <a:schemeClr val="dk2"/>
+    </dgm:txFillClrLst>
+    <dgm:txEffectClrLst/>
+  </dgm:styleLbl>
+  <dgm:styleLbl name="revTx">
+    <dgm:fillClrLst meth="repeat">
+      <a:schemeClr val="lt1">
+        <a:alpha val="0"/>
+      </a:schemeClr>
+    </dgm:fillClrLst>
+    <dgm:linClrLst meth="repeat">
+      <a:schemeClr val="dk2">
+        <a:alpha val="0"/>
+      </a:schemeClr>
+    </dgm:linClrLst>
+    <dgm:effectClrLst/>
+    <dgm:txLinClrLst/>
+    <dgm:txFillClrLst meth="repeat">
+      <a:schemeClr val="tx1"/>
+    </dgm:txFillClrLst>
+    <dgm:txEffectClrLst/>
+  </dgm:styleLbl>
+</dgm:colorsDef>
+</file>
+
+<file path=ppt/diagrams/data1.xml><?xml version="1.0" encoding="utf-8"?>
+<dgm:dataModel xmlns:dgm="http://schemas.openxmlformats.org/drawingml/2006/diagram" xmlns:a="http://schemas.openxmlformats.org/drawingml/2006/main">
+  <dgm:ptLst>
+    <dgm:pt modelId="{1B63BF1B-BA19-2945-B861-CFF35C811E74}" type="doc">
+      <dgm:prSet loTypeId="urn:microsoft.com/office/officeart/2005/8/layout/StepDownProcess" loCatId="process" qsTypeId="urn:microsoft.com/office/officeart/2005/8/quickstyle/simple3" qsCatId="simple" csTypeId="urn:microsoft.com/office/officeart/2005/8/colors/accent0_2" csCatId="mainScheme" phldr="1"/>
+      <dgm:spPr/>
+      <dgm:t>
+        <a:bodyPr/>
+        <a:lstStyle/>
+        <a:p>
+          <a:endParaRPr lang="en-US"/>
+        </a:p>
+      </dgm:t>
+    </dgm:pt>
+    <dgm:pt modelId="{C2B4BA4A-D83B-8241-BF3F-ED8F4A934D25}">
+      <dgm:prSet phldrT="[Text]" phldr="0"/>
+      <dgm:spPr/>
+      <dgm:t>
+        <a:bodyPr/>
+        <a:lstStyle/>
+        <a:p>
+          <a:r>
+            <a:rPr lang="en-US" dirty="0"/>
+            <a:t>Baltimore, MD</a:t>
+          </a:r>
+        </a:p>
+      </dgm:t>
+    </dgm:pt>
+    <dgm:pt modelId="{50786B5A-1EF8-ED4F-875D-166B65184CBB}" type="parTrans" cxnId="{20B7209C-77A7-2D48-8D63-DE2ECD4CE8C3}">
+      <dgm:prSet/>
+      <dgm:spPr/>
+      <dgm:t>
+        <a:bodyPr/>
+        <a:lstStyle/>
+        <a:p>
+          <a:endParaRPr lang="en-US"/>
+        </a:p>
+      </dgm:t>
+    </dgm:pt>
+    <dgm:pt modelId="{C1AE8080-4D71-9D4C-9E42-993D3F1DAB3D}" type="sibTrans" cxnId="{20B7209C-77A7-2D48-8D63-DE2ECD4CE8C3}">
+      <dgm:prSet/>
+      <dgm:spPr/>
+      <dgm:t>
+        <a:bodyPr/>
+        <a:lstStyle/>
+        <a:p>
+          <a:endParaRPr lang="en-US"/>
+        </a:p>
+      </dgm:t>
+    </dgm:pt>
+    <dgm:pt modelId="{249F755A-958B-E74D-9DA5-55C679E3E013}">
+      <dgm:prSet phldrT="[Text]" phldr="0"/>
+      <dgm:spPr/>
+      <dgm:t>
+        <a:bodyPr/>
+        <a:lstStyle/>
+        <a:p>
+          <a:r>
+            <a:rPr lang="en-US" dirty="0"/>
+            <a:t>Toledo, OH</a:t>
+          </a:r>
+        </a:p>
+      </dgm:t>
+    </dgm:pt>
+    <dgm:pt modelId="{A7EEBF88-DB11-C048-9E71-D64E0955EF03}" type="parTrans" cxnId="{9F3A6D28-2B93-3B40-89FB-C855368061C9}">
+      <dgm:prSet/>
+      <dgm:spPr/>
+      <dgm:t>
+        <a:bodyPr/>
+        <a:lstStyle/>
+        <a:p>
+          <a:endParaRPr lang="en-US"/>
+        </a:p>
+      </dgm:t>
+    </dgm:pt>
+    <dgm:pt modelId="{EF706E70-BF2A-3A4B-9332-81062AB8B6A0}" type="sibTrans" cxnId="{9F3A6D28-2B93-3B40-89FB-C855368061C9}">
+      <dgm:prSet/>
+      <dgm:spPr/>
+      <dgm:t>
+        <a:bodyPr/>
+        <a:lstStyle/>
+        <a:p>
+          <a:endParaRPr lang="en-US"/>
+        </a:p>
+      </dgm:t>
+    </dgm:pt>
+    <dgm:pt modelId="{5BA88785-2B97-1F47-81D6-74AAA8BF3867}">
+      <dgm:prSet phldrT="[Text]" phldr="0"/>
+      <dgm:spPr/>
+      <dgm:t>
+        <a:bodyPr/>
+        <a:lstStyle/>
+        <a:p>
+          <a:r>
+            <a:rPr lang="en-US" dirty="0"/>
+            <a:t>Pittsburgh, PA</a:t>
+          </a:r>
+        </a:p>
+      </dgm:t>
+    </dgm:pt>
+    <dgm:pt modelId="{25CA60B4-4973-184F-B623-C29D44D6774C}" type="parTrans" cxnId="{B8D6104F-B55F-B84E-A125-8FB477347613}">
+      <dgm:prSet/>
+      <dgm:spPr/>
+      <dgm:t>
+        <a:bodyPr/>
+        <a:lstStyle/>
+        <a:p>
+          <a:endParaRPr lang="en-US"/>
+        </a:p>
+      </dgm:t>
+    </dgm:pt>
+    <dgm:pt modelId="{34252B01-C07B-FF43-80A0-00F9DABC07CB}" type="sibTrans" cxnId="{B8D6104F-B55F-B84E-A125-8FB477347613}">
+      <dgm:prSet/>
+      <dgm:spPr/>
+      <dgm:t>
+        <a:bodyPr/>
+        <a:lstStyle/>
+        <a:p>
+          <a:endParaRPr lang="en-US"/>
+        </a:p>
+      </dgm:t>
+    </dgm:pt>
+    <dgm:pt modelId="{AC05DF88-56F2-A94E-8A0F-27D14F24C350}">
+      <dgm:prSet phldrT="[Text]" phldr="0"/>
+      <dgm:spPr/>
+      <dgm:t>
+        <a:bodyPr/>
+        <a:lstStyle/>
+        <a:p>
+          <a:r>
+            <a:rPr lang="en-US"/>
+            <a:t>Mechanical Engineering B.S.</a:t>
+          </a:r>
+          <a:endParaRPr lang="en-US" dirty="0"/>
+        </a:p>
+      </dgm:t>
+    </dgm:pt>
+    <dgm:pt modelId="{7E42407C-A105-0A46-B0B6-CBD70496174F}" type="parTrans" cxnId="{2268E6D3-116B-984E-A7DD-06EABEE8592F}">
+      <dgm:prSet/>
+      <dgm:spPr/>
+    </dgm:pt>
+    <dgm:pt modelId="{00EFECDF-BD89-2948-BE61-1FE3F8A442F9}" type="sibTrans" cxnId="{2268E6D3-116B-984E-A7DD-06EABEE8592F}">
+      <dgm:prSet/>
+      <dgm:spPr/>
+    </dgm:pt>
+    <dgm:pt modelId="{DFF06CDB-120B-1341-84F6-D4F39788F8FA}">
+      <dgm:prSet phldrT="[Text]" phldr="0"/>
+      <dgm:spPr/>
+      <dgm:t>
+        <a:bodyPr/>
+        <a:lstStyle/>
+        <a:p>
+          <a:r>
+            <a:rPr lang="en-US"/>
+            <a:t>Computer Science B.S.</a:t>
+          </a:r>
+          <a:endParaRPr lang="en-US" dirty="0"/>
+        </a:p>
+      </dgm:t>
+    </dgm:pt>
+    <dgm:pt modelId="{D14C719C-7B4F-2442-B3E4-74CB24E46996}" type="parTrans" cxnId="{A43BC05B-FC96-2E4A-B369-87387A59A138}">
+      <dgm:prSet/>
+      <dgm:spPr/>
+    </dgm:pt>
+    <dgm:pt modelId="{9F217985-4A34-E949-ADAF-C9DC7C0AF7A2}" type="sibTrans" cxnId="{A43BC05B-FC96-2E4A-B369-87387A59A138}">
+      <dgm:prSet/>
+      <dgm:spPr/>
+    </dgm:pt>
+    <dgm:pt modelId="{2E428C7B-F649-7547-B261-B26257251E12}">
+      <dgm:prSet phldrT="[Text]" phldr="0"/>
+      <dgm:spPr/>
+      <dgm:t>
+        <a:bodyPr/>
+        <a:lstStyle/>
+        <a:p>
+          <a:r>
+            <a:rPr lang="en-US"/>
+            <a:t>Software Engineering MSE</a:t>
+          </a:r>
+          <a:endParaRPr lang="en-US" dirty="0"/>
+        </a:p>
+      </dgm:t>
+    </dgm:pt>
+    <dgm:pt modelId="{B7F8F16F-8D60-844C-B737-1E3BB306DCC3}" type="parTrans" cxnId="{30A0DD0A-880A-B741-863B-1AC8AC2E390F}">
+      <dgm:prSet/>
+      <dgm:spPr/>
+    </dgm:pt>
+    <dgm:pt modelId="{FC8A52FA-EDB5-2344-B7A0-EAE4946ADF48}" type="sibTrans" cxnId="{30A0DD0A-880A-B741-863B-1AC8AC2E390F}">
+      <dgm:prSet/>
+      <dgm:spPr/>
+    </dgm:pt>
+    <dgm:pt modelId="{217D8B80-5320-5049-87CD-04AC5B93B88D}" type="pres">
+      <dgm:prSet presAssocID="{1B63BF1B-BA19-2945-B861-CFF35C811E74}" presName="rootnode" presStyleCnt="0">
+        <dgm:presLayoutVars>
+          <dgm:chMax/>
+          <dgm:chPref/>
+          <dgm:dir/>
+          <dgm:animLvl val="lvl"/>
+        </dgm:presLayoutVars>
+      </dgm:prSet>
+      <dgm:spPr/>
+    </dgm:pt>
+    <dgm:pt modelId="{08CAAF73-62A7-7B49-95B2-3B1F30CB51CC}" type="pres">
+      <dgm:prSet presAssocID="{C2B4BA4A-D83B-8241-BF3F-ED8F4A934D25}" presName="composite" presStyleCnt="0"/>
+      <dgm:spPr/>
+    </dgm:pt>
+    <dgm:pt modelId="{A68A9253-D4E1-DF47-8419-E7E2ECD79D71}" type="pres">
+      <dgm:prSet presAssocID="{C2B4BA4A-D83B-8241-BF3F-ED8F4A934D25}" presName="bentUpArrow1" presStyleLbl="alignImgPlace1" presStyleIdx="0" presStyleCnt="2"/>
+      <dgm:spPr/>
+    </dgm:pt>
+    <dgm:pt modelId="{1D30F44B-D05E-C74F-B3AD-9C368FD2F6F1}" type="pres">
+      <dgm:prSet presAssocID="{C2B4BA4A-D83B-8241-BF3F-ED8F4A934D25}" presName="ParentText" presStyleLbl="node1" presStyleIdx="0" presStyleCnt="3">
+        <dgm:presLayoutVars>
+          <dgm:chMax val="1"/>
+          <dgm:chPref val="1"/>
+          <dgm:bulletEnabled val="1"/>
+        </dgm:presLayoutVars>
+      </dgm:prSet>
+      <dgm:spPr/>
+    </dgm:pt>
+    <dgm:pt modelId="{50C98374-CD4F-B043-A1E8-F5A2D66AD377}" type="pres">
+      <dgm:prSet presAssocID="{C2B4BA4A-D83B-8241-BF3F-ED8F4A934D25}" presName="ChildText" presStyleLbl="revTx" presStyleIdx="0" presStyleCnt="3">
+        <dgm:presLayoutVars>
+          <dgm:chMax val="0"/>
+          <dgm:chPref val="0"/>
+          <dgm:bulletEnabled val="1"/>
+        </dgm:presLayoutVars>
+      </dgm:prSet>
+      <dgm:spPr/>
+    </dgm:pt>
+    <dgm:pt modelId="{AA8184A0-1E3C-024A-A0EE-A9C1EC7F3F95}" type="pres">
+      <dgm:prSet presAssocID="{C1AE8080-4D71-9D4C-9E42-993D3F1DAB3D}" presName="sibTrans" presStyleCnt="0"/>
+      <dgm:spPr/>
+    </dgm:pt>
+    <dgm:pt modelId="{58271EFA-D648-2B44-B02B-024DB26954A8}" type="pres">
+      <dgm:prSet presAssocID="{249F755A-958B-E74D-9DA5-55C679E3E013}" presName="composite" presStyleCnt="0"/>
+      <dgm:spPr/>
+    </dgm:pt>
+    <dgm:pt modelId="{34BCB8D7-2730-CC49-B96B-A40CAC967DEC}" type="pres">
+      <dgm:prSet presAssocID="{249F755A-958B-E74D-9DA5-55C679E3E013}" presName="bentUpArrow1" presStyleLbl="alignImgPlace1" presStyleIdx="1" presStyleCnt="2"/>
+      <dgm:spPr/>
+    </dgm:pt>
+    <dgm:pt modelId="{D402BF4A-439C-AF44-A331-8F5002C16A7A}" type="pres">
+      <dgm:prSet presAssocID="{249F755A-958B-E74D-9DA5-55C679E3E013}" presName="ParentText" presStyleLbl="node1" presStyleIdx="1" presStyleCnt="3">
+        <dgm:presLayoutVars>
+          <dgm:chMax val="1"/>
+          <dgm:chPref val="1"/>
+          <dgm:bulletEnabled val="1"/>
+        </dgm:presLayoutVars>
+      </dgm:prSet>
+      <dgm:spPr/>
+    </dgm:pt>
+    <dgm:pt modelId="{B26DA81C-3668-ED4B-AF39-AE8BD6F1DD61}" type="pres">
+      <dgm:prSet presAssocID="{249F755A-958B-E74D-9DA5-55C679E3E013}" presName="ChildText" presStyleLbl="revTx" presStyleIdx="1" presStyleCnt="3">
+        <dgm:presLayoutVars>
+          <dgm:chMax val="0"/>
+          <dgm:chPref val="0"/>
+          <dgm:bulletEnabled val="1"/>
+        </dgm:presLayoutVars>
+      </dgm:prSet>
+      <dgm:spPr/>
+    </dgm:pt>
+    <dgm:pt modelId="{ED62681C-3D1C-8B44-B5EF-95CBB4F19269}" type="pres">
+      <dgm:prSet presAssocID="{EF706E70-BF2A-3A4B-9332-81062AB8B6A0}" presName="sibTrans" presStyleCnt="0"/>
+      <dgm:spPr/>
+    </dgm:pt>
+    <dgm:pt modelId="{5E890E42-18BA-2F4C-A5A6-2015E0DD196B}" type="pres">
+      <dgm:prSet presAssocID="{5BA88785-2B97-1F47-81D6-74AAA8BF3867}" presName="composite" presStyleCnt="0"/>
+      <dgm:spPr/>
+    </dgm:pt>
+    <dgm:pt modelId="{DEAADEED-CC26-2B46-9C63-063B97669F32}" type="pres">
+      <dgm:prSet presAssocID="{5BA88785-2B97-1F47-81D6-74AAA8BF3867}" presName="ParentText" presStyleLbl="node1" presStyleIdx="2" presStyleCnt="3">
+        <dgm:presLayoutVars>
+          <dgm:chMax val="1"/>
+          <dgm:chPref val="1"/>
+          <dgm:bulletEnabled val="1"/>
+        </dgm:presLayoutVars>
+      </dgm:prSet>
+      <dgm:spPr/>
+    </dgm:pt>
+    <dgm:pt modelId="{4B11E1A5-BDB6-D94E-9EA5-3C18BCAD3616}" type="pres">
+      <dgm:prSet presAssocID="{5BA88785-2B97-1F47-81D6-74AAA8BF3867}" presName="FinalChildText" presStyleLbl="revTx" presStyleIdx="2" presStyleCnt="3">
+        <dgm:presLayoutVars>
+          <dgm:chMax val="0"/>
+          <dgm:chPref val="0"/>
+          <dgm:bulletEnabled val="1"/>
+        </dgm:presLayoutVars>
+      </dgm:prSet>
+      <dgm:spPr/>
+    </dgm:pt>
+  </dgm:ptLst>
+  <dgm:cxnLst>
+    <dgm:cxn modelId="{CA857903-64B4-784F-A4F0-38053719892C}" type="presOf" srcId="{1B63BF1B-BA19-2945-B861-CFF35C811E74}" destId="{217D8B80-5320-5049-87CD-04AC5B93B88D}" srcOrd="0" destOrd="0" presId="urn:microsoft.com/office/officeart/2005/8/layout/StepDownProcess"/>
+    <dgm:cxn modelId="{30A0DD0A-880A-B741-863B-1AC8AC2E390F}" srcId="{5BA88785-2B97-1F47-81D6-74AAA8BF3867}" destId="{2E428C7B-F649-7547-B261-B26257251E12}" srcOrd="0" destOrd="0" parTransId="{B7F8F16F-8D60-844C-B737-1E3BB306DCC3}" sibTransId="{FC8A52FA-EDB5-2344-B7A0-EAE4946ADF48}"/>
+    <dgm:cxn modelId="{6E87320F-463C-3A46-8BA7-D0DF5BC2AD0B}" type="presOf" srcId="{DFF06CDB-120B-1341-84F6-D4F39788F8FA}" destId="{B26DA81C-3668-ED4B-AF39-AE8BD6F1DD61}" srcOrd="0" destOrd="0" presId="urn:microsoft.com/office/officeart/2005/8/layout/StepDownProcess"/>
+    <dgm:cxn modelId="{9F3A6D28-2B93-3B40-89FB-C855368061C9}" srcId="{1B63BF1B-BA19-2945-B861-CFF35C811E74}" destId="{249F755A-958B-E74D-9DA5-55C679E3E013}" srcOrd="1" destOrd="0" parTransId="{A7EEBF88-DB11-C048-9E71-D64E0955EF03}" sibTransId="{EF706E70-BF2A-3A4B-9332-81062AB8B6A0}"/>
+    <dgm:cxn modelId="{9F7ED743-C93E-D647-80F5-F38E1083BB90}" type="presOf" srcId="{C2B4BA4A-D83B-8241-BF3F-ED8F4A934D25}" destId="{1D30F44B-D05E-C74F-B3AD-9C368FD2F6F1}" srcOrd="0" destOrd="0" presId="urn:microsoft.com/office/officeart/2005/8/layout/StepDownProcess"/>
+    <dgm:cxn modelId="{06470C4A-C482-DC43-9B13-477B19482E4A}" type="presOf" srcId="{5BA88785-2B97-1F47-81D6-74AAA8BF3867}" destId="{DEAADEED-CC26-2B46-9C63-063B97669F32}" srcOrd="0" destOrd="0" presId="urn:microsoft.com/office/officeart/2005/8/layout/StepDownProcess"/>
+    <dgm:cxn modelId="{B8D6104F-B55F-B84E-A125-8FB477347613}" srcId="{1B63BF1B-BA19-2945-B861-CFF35C811E74}" destId="{5BA88785-2B97-1F47-81D6-74AAA8BF3867}" srcOrd="2" destOrd="0" parTransId="{25CA60B4-4973-184F-B623-C29D44D6774C}" sibTransId="{34252B01-C07B-FF43-80A0-00F9DABC07CB}"/>
+    <dgm:cxn modelId="{A43BC05B-FC96-2E4A-B369-87387A59A138}" srcId="{249F755A-958B-E74D-9DA5-55C679E3E013}" destId="{DFF06CDB-120B-1341-84F6-D4F39788F8FA}" srcOrd="0" destOrd="0" parTransId="{D14C719C-7B4F-2442-B3E4-74CB24E46996}" sibTransId="{9F217985-4A34-E949-ADAF-C9DC7C0AF7A2}"/>
+    <dgm:cxn modelId="{20B7209C-77A7-2D48-8D63-DE2ECD4CE8C3}" srcId="{1B63BF1B-BA19-2945-B861-CFF35C811E74}" destId="{C2B4BA4A-D83B-8241-BF3F-ED8F4A934D25}" srcOrd="0" destOrd="0" parTransId="{50786B5A-1EF8-ED4F-875D-166B65184CBB}" sibTransId="{C1AE8080-4D71-9D4C-9E42-993D3F1DAB3D}"/>
+    <dgm:cxn modelId="{F779329E-07D8-6A47-BA86-84F2DF36242B}" type="presOf" srcId="{2E428C7B-F649-7547-B261-B26257251E12}" destId="{4B11E1A5-BDB6-D94E-9EA5-3C18BCAD3616}" srcOrd="0" destOrd="0" presId="urn:microsoft.com/office/officeart/2005/8/layout/StepDownProcess"/>
+    <dgm:cxn modelId="{F84499C4-93AC-5149-90DB-E1E09E68B15C}" type="presOf" srcId="{249F755A-958B-E74D-9DA5-55C679E3E013}" destId="{D402BF4A-439C-AF44-A331-8F5002C16A7A}" srcOrd="0" destOrd="0" presId="urn:microsoft.com/office/officeart/2005/8/layout/StepDownProcess"/>
+    <dgm:cxn modelId="{2268E6D3-116B-984E-A7DD-06EABEE8592F}" srcId="{C2B4BA4A-D83B-8241-BF3F-ED8F4A934D25}" destId="{AC05DF88-56F2-A94E-8A0F-27D14F24C350}" srcOrd="0" destOrd="0" parTransId="{7E42407C-A105-0A46-B0B6-CBD70496174F}" sibTransId="{00EFECDF-BD89-2948-BE61-1FE3F8A442F9}"/>
+    <dgm:cxn modelId="{4805CBE8-8B27-CF49-989C-365270FD4EBC}" type="presOf" srcId="{AC05DF88-56F2-A94E-8A0F-27D14F24C350}" destId="{50C98374-CD4F-B043-A1E8-F5A2D66AD377}" srcOrd="0" destOrd="0" presId="urn:microsoft.com/office/officeart/2005/8/layout/StepDownProcess"/>
+    <dgm:cxn modelId="{CC82075E-D2D0-754E-8D76-D78B63DFC70C}" type="presParOf" srcId="{217D8B80-5320-5049-87CD-04AC5B93B88D}" destId="{08CAAF73-62A7-7B49-95B2-3B1F30CB51CC}" srcOrd="0" destOrd="0" presId="urn:microsoft.com/office/officeart/2005/8/layout/StepDownProcess"/>
+    <dgm:cxn modelId="{9967F5B5-9D7C-BC47-844B-79874740D6BE}" type="presParOf" srcId="{08CAAF73-62A7-7B49-95B2-3B1F30CB51CC}" destId="{A68A9253-D4E1-DF47-8419-E7E2ECD79D71}" srcOrd="0" destOrd="0" presId="urn:microsoft.com/office/officeart/2005/8/layout/StepDownProcess"/>
+    <dgm:cxn modelId="{94E2C92A-0FBD-B546-9411-26444D45DFCF}" type="presParOf" srcId="{08CAAF73-62A7-7B49-95B2-3B1F30CB51CC}" destId="{1D30F44B-D05E-C74F-B3AD-9C368FD2F6F1}" srcOrd="1" destOrd="0" presId="urn:microsoft.com/office/officeart/2005/8/layout/StepDownProcess"/>
+    <dgm:cxn modelId="{DA7F4CFB-2026-EE46-80BE-1940EF802569}" type="presParOf" srcId="{08CAAF73-62A7-7B49-95B2-3B1F30CB51CC}" destId="{50C98374-CD4F-B043-A1E8-F5A2D66AD377}" srcOrd="2" destOrd="0" presId="urn:microsoft.com/office/officeart/2005/8/layout/StepDownProcess"/>
+    <dgm:cxn modelId="{DB61EF46-8175-304F-AC14-AFA526C3DDEF}" type="presParOf" srcId="{217D8B80-5320-5049-87CD-04AC5B93B88D}" destId="{AA8184A0-1E3C-024A-A0EE-A9C1EC7F3F95}" srcOrd="1" destOrd="0" presId="urn:microsoft.com/office/officeart/2005/8/layout/StepDownProcess"/>
+    <dgm:cxn modelId="{5F100E88-7675-2648-8195-F6FA861DC540}" type="presParOf" srcId="{217D8B80-5320-5049-87CD-04AC5B93B88D}" destId="{58271EFA-D648-2B44-B02B-024DB26954A8}" srcOrd="2" destOrd="0" presId="urn:microsoft.com/office/officeart/2005/8/layout/StepDownProcess"/>
+    <dgm:cxn modelId="{AB58B5B7-E87A-604F-96FB-84256D0CA7D3}" type="presParOf" srcId="{58271EFA-D648-2B44-B02B-024DB26954A8}" destId="{34BCB8D7-2730-CC49-B96B-A40CAC967DEC}" srcOrd="0" destOrd="0" presId="urn:microsoft.com/office/officeart/2005/8/layout/StepDownProcess"/>
+    <dgm:cxn modelId="{1732F3CA-02C2-4A40-9D36-5287307D46CE}" type="presParOf" srcId="{58271EFA-D648-2B44-B02B-024DB26954A8}" destId="{D402BF4A-439C-AF44-A331-8F5002C16A7A}" srcOrd="1" destOrd="0" presId="urn:microsoft.com/office/officeart/2005/8/layout/StepDownProcess"/>
+    <dgm:cxn modelId="{EAE08B71-6638-E445-BFE5-A148088B7D77}" type="presParOf" srcId="{58271EFA-D648-2B44-B02B-024DB26954A8}" destId="{B26DA81C-3668-ED4B-AF39-AE8BD6F1DD61}" srcOrd="2" destOrd="0" presId="urn:microsoft.com/office/officeart/2005/8/layout/StepDownProcess"/>
+    <dgm:cxn modelId="{0985B82A-1FD1-A84E-A552-47C9090EAC0B}" type="presParOf" srcId="{217D8B80-5320-5049-87CD-04AC5B93B88D}" destId="{ED62681C-3D1C-8B44-B5EF-95CBB4F19269}" srcOrd="3" destOrd="0" presId="urn:microsoft.com/office/officeart/2005/8/layout/StepDownProcess"/>
+    <dgm:cxn modelId="{E37D3F75-CD44-3E4F-B2E5-8119AD048979}" type="presParOf" srcId="{217D8B80-5320-5049-87CD-04AC5B93B88D}" destId="{5E890E42-18BA-2F4C-A5A6-2015E0DD196B}" srcOrd="4" destOrd="0" presId="urn:microsoft.com/office/officeart/2005/8/layout/StepDownProcess"/>
+    <dgm:cxn modelId="{CCB45ECC-5EAE-EC4C-A8E1-38B86A166341}" type="presParOf" srcId="{5E890E42-18BA-2F4C-A5A6-2015E0DD196B}" destId="{DEAADEED-CC26-2B46-9C63-063B97669F32}" srcOrd="0" destOrd="0" presId="urn:microsoft.com/office/officeart/2005/8/layout/StepDownProcess"/>
+    <dgm:cxn modelId="{846236A5-BFE0-B646-B4C8-882C9CB514AE}" type="presParOf" srcId="{5E890E42-18BA-2F4C-A5A6-2015E0DD196B}" destId="{4B11E1A5-BDB6-D94E-9EA5-3C18BCAD3616}" srcOrd="1" destOrd="0" presId="urn:microsoft.com/office/officeart/2005/8/layout/StepDownProcess"/>
+  </dgm:cxnLst>
+  <dgm:bg/>
+  <dgm:whole/>
+  <dgm:extLst>
+    <a:ext uri="http://schemas.microsoft.com/office/drawing/2008/diagram">
+      <dsp:dataModelExt xmlns:dsp="http://schemas.microsoft.com/office/drawing/2008/diagram" relId="rId6" minVer="http://schemas.openxmlformats.org/drawingml/2006/diagram"/>
+    </a:ext>
+  </dgm:extLst>
+</dgm:dataModel>
+</file>
+
+<file path=ppt/diagrams/drawing1.xml><?xml version="1.0" encoding="utf-8"?>
+<dsp:drawing xmlns:dgm="http://schemas.openxmlformats.org/drawingml/2006/diagram" xmlns:dsp="http://schemas.microsoft.com/office/drawing/2008/diagram" xmlns:a="http://schemas.openxmlformats.org/drawingml/2006/main">
+  <dsp:spTree>
+    <dsp:nvGrpSpPr>
+      <dsp:cNvPr id="0" name=""/>
+      <dsp:cNvGrpSpPr/>
+    </dsp:nvGrpSpPr>
+    <dsp:grpSpPr/>
+    <dsp:sp modelId="{A68A9253-D4E1-DF47-8419-E7E2ECD79D71}">
+      <dsp:nvSpPr>
+        <dsp:cNvPr id="0" name=""/>
+        <dsp:cNvSpPr/>
+      </dsp:nvSpPr>
+      <dsp:spPr>
+        <a:xfrm rot="5400000">
+          <a:off x="2351651" y="1271326"/>
+          <a:ext cx="1124378" cy="1280065"/>
+        </a:xfrm>
+        <a:prstGeom prst="bentUpArrow">
+          <a:avLst>
+            <a:gd name="adj1" fmla="val 32840"/>
+            <a:gd name="adj2" fmla="val 25000"/>
+            <a:gd name="adj3" fmla="val 35780"/>
+          </a:avLst>
+        </a:prstGeom>
+        <a:solidFill>
+          <a:schemeClr val="dk2">
+            <a:tint val="40000"/>
+            <a:hueOff val="0"/>
+            <a:satOff val="0"/>
+            <a:lumOff val="0"/>
+            <a:alphaOff val="0"/>
+          </a:schemeClr>
+        </a:solidFill>
+        <a:ln w="6350" cap="flat" cmpd="sng" algn="ctr">
+          <a:solidFill>
+            <a:schemeClr val="dk2">
+              <a:shade val="80000"/>
+              <a:hueOff val="0"/>
+              <a:satOff val="0"/>
+              <a:lumOff val="0"/>
+              <a:alphaOff val="0"/>
+            </a:schemeClr>
+          </a:solidFill>
+          <a:prstDash val="solid"/>
+          <a:miter lim="800000"/>
+        </a:ln>
+        <a:effectLst/>
+      </dsp:spPr>
+      <dsp:style>
+        <a:lnRef idx="1">
+          <a:scrgbClr r="0" g="0" b="0"/>
+        </a:lnRef>
+        <a:fillRef idx="1">
+          <a:scrgbClr r="0" g="0" b="0"/>
+        </a:fillRef>
+        <a:effectRef idx="1">
+          <a:scrgbClr r="0" g="0" b="0"/>
+        </a:effectRef>
+        <a:fontRef idx="minor"/>
+      </dsp:style>
+    </dsp:sp>
+    <dsp:sp modelId="{1D30F44B-D05E-C74F-B3AD-9C368FD2F6F1}">
+      <dsp:nvSpPr>
+        <dsp:cNvPr id="0" name=""/>
+        <dsp:cNvSpPr/>
+      </dsp:nvSpPr>
+      <dsp:spPr>
+        <a:xfrm>
+          <a:off x="2053759" y="24930"/>
+          <a:ext cx="1892792" cy="1324893"/>
+        </a:xfrm>
+        <a:prstGeom prst="roundRect">
+          <a:avLst>
+            <a:gd name="adj" fmla="val 16670"/>
+          </a:avLst>
+        </a:prstGeom>
+        <a:gradFill rotWithShape="0">
+          <a:gsLst>
+            <a:gs pos="0">
+              <a:schemeClr val="lt1">
+                <a:hueOff val="0"/>
+                <a:satOff val="0"/>
+                <a:lumOff val="0"/>
+                <a:alphaOff val="0"/>
+                <a:lumMod val="110000"/>
+                <a:satMod val="105000"/>
+                <a:tint val="67000"/>
+              </a:schemeClr>
+            </a:gs>
+            <a:gs pos="50000">
+              <a:schemeClr val="lt1">
+                <a:hueOff val="0"/>
+                <a:satOff val="0"/>
+                <a:lumOff val="0"/>
+                <a:alphaOff val="0"/>
+                <a:lumMod val="105000"/>
+                <a:satMod val="103000"/>
+                <a:tint val="73000"/>
+              </a:schemeClr>
+            </a:gs>
+            <a:gs pos="100000">
+              <a:schemeClr val="lt1">
+                <a:hueOff val="0"/>
+                <a:satOff val="0"/>
+                <a:lumOff val="0"/>
+                <a:alphaOff val="0"/>
+                <a:lumMod val="105000"/>
+                <a:satMod val="109000"/>
+                <a:tint val="81000"/>
+              </a:schemeClr>
+            </a:gs>
+          </a:gsLst>
+          <a:lin ang="5400000" scaled="0"/>
+        </a:gradFill>
+        <a:ln>
+          <a:noFill/>
+        </a:ln>
+        <a:effectLst/>
+        <a:scene3d>
+          <a:camera prst="orthographicFront"/>
+          <a:lightRig rig="flat" dir="t"/>
+        </a:scene3d>
+        <a:sp3d prstMaterial="dkEdge">
+          <a:bevelT w="8200" h="38100"/>
+        </a:sp3d>
+      </dsp:spPr>
+      <dsp:style>
+        <a:lnRef idx="0">
+          <a:scrgbClr r="0" g="0" b="0"/>
+        </a:lnRef>
+        <a:fillRef idx="2">
+          <a:scrgbClr r="0" g="0" b="0"/>
+        </a:fillRef>
+        <a:effectRef idx="1">
+          <a:scrgbClr r="0" g="0" b="0"/>
+        </a:effectRef>
+        <a:fontRef idx="minor">
+          <a:schemeClr val="dk1"/>
+        </a:fontRef>
+      </dsp:style>
+      <dsp:txBody>
+        <a:bodyPr spcFirstLastPara="0" vert="horz" wrap="square" lIns="102870" tIns="102870" rIns="102870" bIns="102870" numCol="1" spcCol="1270" anchor="ctr" anchorCtr="0">
+          <a:noAutofit/>
+        </a:bodyPr>
+        <a:lstStyle/>
+        <a:p>
+          <a:pPr marL="0" lvl="0" indent="0" algn="ctr" defTabSz="1200150">
+            <a:lnSpc>
+              <a:spcPct val="90000"/>
+            </a:lnSpc>
+            <a:spcBef>
+              <a:spcPct val="0"/>
+            </a:spcBef>
+            <a:spcAft>
+              <a:spcPct val="35000"/>
+            </a:spcAft>
+            <a:buNone/>
+          </a:pPr>
+          <a:r>
+            <a:rPr lang="en-US" sz="2700" kern="1200" dirty="0"/>
+            <a:t>Baltimore, MD</a:t>
+          </a:r>
+        </a:p>
+      </dsp:txBody>
+      <dsp:txXfrm>
+        <a:off x="2118447" y="89618"/>
+        <a:ext cx="1763416" cy="1195517"/>
+      </dsp:txXfrm>
+    </dsp:sp>
+    <dsp:sp modelId="{50C98374-CD4F-B043-A1E8-F5A2D66AD377}">
+      <dsp:nvSpPr>
+        <dsp:cNvPr id="0" name=""/>
+        <dsp:cNvSpPr/>
+      </dsp:nvSpPr>
+      <dsp:spPr>
+        <a:xfrm>
+          <a:off x="3946551" y="151288"/>
+          <a:ext cx="1376636" cy="1070837"/>
+        </a:xfrm>
+        <a:prstGeom prst="rect">
+          <a:avLst/>
+        </a:prstGeom>
+        <a:noFill/>
+        <a:ln>
+          <a:noFill/>
+        </a:ln>
+        <a:effectLst/>
+      </dsp:spPr>
+      <dsp:style>
+        <a:lnRef idx="0">
+          <a:scrgbClr r="0" g="0" b="0"/>
+        </a:lnRef>
+        <a:fillRef idx="0">
+          <a:scrgbClr r="0" g="0" b="0"/>
+        </a:fillRef>
+        <a:effectRef idx="0">
+          <a:scrgbClr r="0" g="0" b="0"/>
+        </a:effectRef>
+        <a:fontRef idx="minor"/>
+      </dsp:style>
+      <dsp:txBody>
+        <a:bodyPr spcFirstLastPara="0" vert="horz" wrap="square" lIns="80010" tIns="80010" rIns="80010" bIns="80010" numCol="1" spcCol="1270" anchor="ctr" anchorCtr="0">
+          <a:noAutofit/>
+        </a:bodyPr>
+        <a:lstStyle/>
+        <a:p>
+          <a:pPr marL="171450" lvl="1" indent="-171450" algn="l" defTabSz="711200">
+            <a:lnSpc>
+              <a:spcPct val="90000"/>
+            </a:lnSpc>
+            <a:spcBef>
+              <a:spcPct val="0"/>
+            </a:spcBef>
+            <a:spcAft>
+              <a:spcPct val="15000"/>
+            </a:spcAft>
+            <a:buChar char="•"/>
+          </a:pPr>
+          <a:r>
+            <a:rPr lang="en-US" sz="1600" kern="1200"/>
+            <a:t>Mechanical Engineering B.S.</a:t>
+          </a:r>
+          <a:endParaRPr lang="en-US" sz="1600" kern="1200" dirty="0"/>
+        </a:p>
+      </dsp:txBody>
+      <dsp:txXfrm>
+        <a:off x="3946551" y="151288"/>
+        <a:ext cx="1376636" cy="1070837"/>
+      </dsp:txXfrm>
+    </dsp:sp>
+    <dsp:sp modelId="{34BCB8D7-2730-CC49-B96B-A40CAC967DEC}">
+      <dsp:nvSpPr>
+        <dsp:cNvPr id="0" name=""/>
+        <dsp:cNvSpPr/>
+      </dsp:nvSpPr>
+      <dsp:spPr>
+        <a:xfrm rot="5400000">
+          <a:off x="3920977" y="2759619"/>
+          <a:ext cx="1124378" cy="1280065"/>
+        </a:xfrm>
+        <a:prstGeom prst="bentUpArrow">
+          <a:avLst>
+            <a:gd name="adj1" fmla="val 32840"/>
+            <a:gd name="adj2" fmla="val 25000"/>
+            <a:gd name="adj3" fmla="val 35780"/>
+          </a:avLst>
+        </a:prstGeom>
+        <a:solidFill>
+          <a:schemeClr val="dk2">
+            <a:tint val="40000"/>
+            <a:hueOff val="0"/>
+            <a:satOff val="0"/>
+            <a:lumOff val="0"/>
+            <a:alphaOff val="0"/>
+          </a:schemeClr>
+        </a:solidFill>
+        <a:ln w="6350" cap="flat" cmpd="sng" algn="ctr">
+          <a:solidFill>
+            <a:schemeClr val="dk2">
+              <a:shade val="80000"/>
+              <a:hueOff val="0"/>
+              <a:satOff val="0"/>
+              <a:lumOff val="0"/>
+              <a:alphaOff val="0"/>
+            </a:schemeClr>
+          </a:solidFill>
+          <a:prstDash val="solid"/>
+          <a:miter lim="800000"/>
+        </a:ln>
+        <a:effectLst/>
+      </dsp:spPr>
+      <dsp:style>
+        <a:lnRef idx="1">
+          <a:scrgbClr r="0" g="0" b="0"/>
+        </a:lnRef>
+        <a:fillRef idx="1">
+          <a:scrgbClr r="0" g="0" b="0"/>
+        </a:fillRef>
+        <a:effectRef idx="1">
+          <a:scrgbClr r="0" g="0" b="0"/>
+        </a:effectRef>
+        <a:fontRef idx="minor"/>
+      </dsp:style>
+    </dsp:sp>
+    <dsp:sp modelId="{D402BF4A-439C-AF44-A331-8F5002C16A7A}">
+      <dsp:nvSpPr>
+        <dsp:cNvPr id="0" name=""/>
+        <dsp:cNvSpPr/>
+      </dsp:nvSpPr>
+      <dsp:spPr>
+        <a:xfrm>
+          <a:off x="3623085" y="1513222"/>
+          <a:ext cx="1892792" cy="1324893"/>
+        </a:xfrm>
+        <a:prstGeom prst="roundRect">
+          <a:avLst>
+            <a:gd name="adj" fmla="val 16670"/>
+          </a:avLst>
+        </a:prstGeom>
+        <a:gradFill rotWithShape="0">
+          <a:gsLst>
+            <a:gs pos="0">
+              <a:schemeClr val="lt1">
+                <a:hueOff val="0"/>
+                <a:satOff val="0"/>
+                <a:lumOff val="0"/>
+                <a:alphaOff val="0"/>
+                <a:lumMod val="110000"/>
+                <a:satMod val="105000"/>
+                <a:tint val="67000"/>
+              </a:schemeClr>
+            </a:gs>
+            <a:gs pos="50000">
+              <a:schemeClr val="lt1">
+                <a:hueOff val="0"/>
+                <a:satOff val="0"/>
+                <a:lumOff val="0"/>
+                <a:alphaOff val="0"/>
+                <a:lumMod val="105000"/>
+                <a:satMod val="103000"/>
+                <a:tint val="73000"/>
+              </a:schemeClr>
+            </a:gs>
+            <a:gs pos="100000">
+              <a:schemeClr val="lt1">
+                <a:hueOff val="0"/>
+                <a:satOff val="0"/>
+                <a:lumOff val="0"/>
+                <a:alphaOff val="0"/>
+                <a:lumMod val="105000"/>
+                <a:satMod val="109000"/>
+                <a:tint val="81000"/>
+              </a:schemeClr>
+            </a:gs>
+          </a:gsLst>
+          <a:lin ang="5400000" scaled="0"/>
+        </a:gradFill>
+        <a:ln>
+          <a:noFill/>
+        </a:ln>
+        <a:effectLst/>
+        <a:scene3d>
+          <a:camera prst="orthographicFront"/>
+          <a:lightRig rig="flat" dir="t"/>
+        </a:scene3d>
+        <a:sp3d prstMaterial="dkEdge">
+          <a:bevelT w="8200" h="38100"/>
+        </a:sp3d>
+      </dsp:spPr>
+      <dsp:style>
+        <a:lnRef idx="0">
+          <a:scrgbClr r="0" g="0" b="0"/>
+        </a:lnRef>
+        <a:fillRef idx="2">
+          <a:scrgbClr r="0" g="0" b="0"/>
+        </a:fillRef>
+        <a:effectRef idx="1">
+          <a:scrgbClr r="0" g="0" b="0"/>
+        </a:effectRef>
+        <a:fontRef idx="minor">
+          <a:schemeClr val="dk1"/>
+        </a:fontRef>
+      </dsp:style>
+      <dsp:txBody>
+        <a:bodyPr spcFirstLastPara="0" vert="horz" wrap="square" lIns="102870" tIns="102870" rIns="102870" bIns="102870" numCol="1" spcCol="1270" anchor="ctr" anchorCtr="0">
+          <a:noAutofit/>
+        </a:bodyPr>
+        <a:lstStyle/>
+        <a:p>
+          <a:pPr marL="0" lvl="0" indent="0" algn="ctr" defTabSz="1200150">
+            <a:lnSpc>
+              <a:spcPct val="90000"/>
+            </a:lnSpc>
+            <a:spcBef>
+              <a:spcPct val="0"/>
+            </a:spcBef>
+            <a:spcAft>
+              <a:spcPct val="35000"/>
+            </a:spcAft>
+            <a:buNone/>
+          </a:pPr>
+          <a:r>
+            <a:rPr lang="en-US" sz="2700" kern="1200" dirty="0"/>
+            <a:t>Toledo, OH</a:t>
+          </a:r>
+        </a:p>
+      </dsp:txBody>
+      <dsp:txXfrm>
+        <a:off x="3687773" y="1577910"/>
+        <a:ext cx="1763416" cy="1195517"/>
+      </dsp:txXfrm>
+    </dsp:sp>
+    <dsp:sp modelId="{B26DA81C-3668-ED4B-AF39-AE8BD6F1DD61}">
+      <dsp:nvSpPr>
+        <dsp:cNvPr id="0" name=""/>
+        <dsp:cNvSpPr/>
+      </dsp:nvSpPr>
+      <dsp:spPr>
+        <a:xfrm>
+          <a:off x="5515877" y="1639581"/>
+          <a:ext cx="1376636" cy="1070837"/>
+        </a:xfrm>
+        <a:prstGeom prst="rect">
+          <a:avLst/>
+        </a:prstGeom>
+        <a:noFill/>
+        <a:ln>
+          <a:noFill/>
+        </a:ln>
+        <a:effectLst/>
+      </dsp:spPr>
+      <dsp:style>
+        <a:lnRef idx="0">
+          <a:scrgbClr r="0" g="0" b="0"/>
+        </a:lnRef>
+        <a:fillRef idx="0">
+          <a:scrgbClr r="0" g="0" b="0"/>
+        </a:fillRef>
+        <a:effectRef idx="0">
+          <a:scrgbClr r="0" g="0" b="0"/>
+        </a:effectRef>
+        <a:fontRef idx="minor"/>
+      </dsp:style>
+      <dsp:txBody>
+        <a:bodyPr spcFirstLastPara="0" vert="horz" wrap="square" lIns="80010" tIns="80010" rIns="80010" bIns="80010" numCol="1" spcCol="1270" anchor="ctr" anchorCtr="0">
+          <a:noAutofit/>
+        </a:bodyPr>
+        <a:lstStyle/>
+        <a:p>
+          <a:pPr marL="171450" lvl="1" indent="-171450" algn="l" defTabSz="711200">
+            <a:lnSpc>
+              <a:spcPct val="90000"/>
+            </a:lnSpc>
+            <a:spcBef>
+              <a:spcPct val="0"/>
+            </a:spcBef>
+            <a:spcAft>
+              <a:spcPct val="15000"/>
+            </a:spcAft>
+            <a:buChar char="•"/>
+          </a:pPr>
+          <a:r>
+            <a:rPr lang="en-US" sz="1600" kern="1200"/>
+            <a:t>Computer Science B.S.</a:t>
+          </a:r>
+          <a:endParaRPr lang="en-US" sz="1600" kern="1200" dirty="0"/>
+        </a:p>
+      </dsp:txBody>
+      <dsp:txXfrm>
+        <a:off x="5515877" y="1639581"/>
+        <a:ext cx="1376636" cy="1070837"/>
+      </dsp:txXfrm>
+    </dsp:sp>
+    <dsp:sp modelId="{DEAADEED-CC26-2B46-9C63-063B97669F32}">
+      <dsp:nvSpPr>
+        <dsp:cNvPr id="0" name=""/>
+        <dsp:cNvSpPr/>
+      </dsp:nvSpPr>
+      <dsp:spPr>
+        <a:xfrm>
+          <a:off x="5192411" y="3001514"/>
+          <a:ext cx="1892792" cy="1324893"/>
+        </a:xfrm>
+        <a:prstGeom prst="roundRect">
+          <a:avLst>
+            <a:gd name="adj" fmla="val 16670"/>
+          </a:avLst>
+        </a:prstGeom>
+        <a:gradFill rotWithShape="0">
+          <a:gsLst>
+            <a:gs pos="0">
+              <a:schemeClr val="lt1">
+                <a:hueOff val="0"/>
+                <a:satOff val="0"/>
+                <a:lumOff val="0"/>
+                <a:alphaOff val="0"/>
+                <a:lumMod val="110000"/>
+                <a:satMod val="105000"/>
+                <a:tint val="67000"/>
+              </a:schemeClr>
+            </a:gs>
+            <a:gs pos="50000">
+              <a:schemeClr val="lt1">
+                <a:hueOff val="0"/>
+                <a:satOff val="0"/>
+                <a:lumOff val="0"/>
+                <a:alphaOff val="0"/>
+                <a:lumMod val="105000"/>
+                <a:satMod val="103000"/>
+                <a:tint val="73000"/>
+              </a:schemeClr>
+            </a:gs>
+            <a:gs pos="100000">
+              <a:schemeClr val="lt1">
+                <a:hueOff val="0"/>
+                <a:satOff val="0"/>
+                <a:lumOff val="0"/>
+                <a:alphaOff val="0"/>
+                <a:lumMod val="105000"/>
+                <a:satMod val="109000"/>
+                <a:tint val="81000"/>
+              </a:schemeClr>
+            </a:gs>
+          </a:gsLst>
+          <a:lin ang="5400000" scaled="0"/>
+        </a:gradFill>
+        <a:ln>
+          <a:noFill/>
+        </a:ln>
+        <a:effectLst/>
+        <a:scene3d>
+          <a:camera prst="orthographicFront"/>
+          <a:lightRig rig="flat" dir="t"/>
+        </a:scene3d>
+        <a:sp3d prstMaterial="dkEdge">
+          <a:bevelT w="8200" h="38100"/>
+        </a:sp3d>
+      </dsp:spPr>
+      <dsp:style>
+        <a:lnRef idx="0">
+          <a:scrgbClr r="0" g="0" b="0"/>
+        </a:lnRef>
+        <a:fillRef idx="2">
+          <a:scrgbClr r="0" g="0" b="0"/>
+        </a:fillRef>
+        <a:effectRef idx="1">
+          <a:scrgbClr r="0" g="0" b="0"/>
+        </a:effectRef>
+        <a:fontRef idx="minor">
+          <a:schemeClr val="dk1"/>
+        </a:fontRef>
+      </dsp:style>
+      <dsp:txBody>
+        <a:bodyPr spcFirstLastPara="0" vert="horz" wrap="square" lIns="102870" tIns="102870" rIns="102870" bIns="102870" numCol="1" spcCol="1270" anchor="ctr" anchorCtr="0">
+          <a:noAutofit/>
+        </a:bodyPr>
+        <a:lstStyle/>
+        <a:p>
+          <a:pPr marL="0" lvl="0" indent="0" algn="ctr" defTabSz="1200150">
+            <a:lnSpc>
+              <a:spcPct val="90000"/>
+            </a:lnSpc>
+            <a:spcBef>
+              <a:spcPct val="0"/>
+            </a:spcBef>
+            <a:spcAft>
+              <a:spcPct val="35000"/>
+            </a:spcAft>
+            <a:buNone/>
+          </a:pPr>
+          <a:r>
+            <a:rPr lang="en-US" sz="2700" kern="1200" dirty="0"/>
+            <a:t>Pittsburgh, PA</a:t>
+          </a:r>
+        </a:p>
+      </dsp:txBody>
+      <dsp:txXfrm>
+        <a:off x="5257099" y="3066202"/>
+        <a:ext cx="1763416" cy="1195517"/>
+      </dsp:txXfrm>
+    </dsp:sp>
+    <dsp:sp modelId="{4B11E1A5-BDB6-D94E-9EA5-3C18BCAD3616}">
+      <dsp:nvSpPr>
+        <dsp:cNvPr id="0" name=""/>
+        <dsp:cNvSpPr/>
+      </dsp:nvSpPr>
+      <dsp:spPr>
+        <a:xfrm>
+          <a:off x="7085203" y="3127873"/>
+          <a:ext cx="1376636" cy="1070837"/>
+        </a:xfrm>
+        <a:prstGeom prst="rect">
+          <a:avLst/>
+        </a:prstGeom>
+        <a:noFill/>
+        <a:ln>
+          <a:noFill/>
+        </a:ln>
+        <a:effectLst/>
+      </dsp:spPr>
+      <dsp:style>
+        <a:lnRef idx="0">
+          <a:scrgbClr r="0" g="0" b="0"/>
+        </a:lnRef>
+        <a:fillRef idx="0">
+          <a:scrgbClr r="0" g="0" b="0"/>
+        </a:fillRef>
+        <a:effectRef idx="0">
+          <a:scrgbClr r="0" g="0" b="0"/>
+        </a:effectRef>
+        <a:fontRef idx="minor"/>
+      </dsp:style>
+      <dsp:txBody>
+        <a:bodyPr spcFirstLastPara="0" vert="horz" wrap="square" lIns="80010" tIns="80010" rIns="80010" bIns="80010" numCol="1" spcCol="1270" anchor="ctr" anchorCtr="0">
+          <a:noAutofit/>
+        </a:bodyPr>
+        <a:lstStyle/>
+        <a:p>
+          <a:pPr marL="171450" lvl="1" indent="-171450" algn="l" defTabSz="711200">
+            <a:lnSpc>
+              <a:spcPct val="90000"/>
+            </a:lnSpc>
+            <a:spcBef>
+              <a:spcPct val="0"/>
+            </a:spcBef>
+            <a:spcAft>
+              <a:spcPct val="15000"/>
+            </a:spcAft>
+            <a:buChar char="•"/>
+          </a:pPr>
+          <a:r>
+            <a:rPr lang="en-US" sz="1600" kern="1200"/>
+            <a:t>Software Engineering MSE</a:t>
+          </a:r>
+          <a:endParaRPr lang="en-US" sz="1600" kern="1200" dirty="0"/>
+        </a:p>
+      </dsp:txBody>
+      <dsp:txXfrm>
+        <a:off x="7085203" y="3127873"/>
+        <a:ext cx="1376636" cy="1070837"/>
+      </dsp:txXfrm>
+    </dsp:sp>
+  </dsp:spTree>
+</dsp:drawing>
+</file>
+
+<file path=ppt/diagrams/layout1.xml><?xml version="1.0" encoding="utf-8"?>
+<dgm:layoutDef xmlns:dgm="http://schemas.openxmlformats.org/drawingml/2006/diagram" xmlns:a="http://schemas.openxmlformats.org/drawingml/2006/main" uniqueId="urn:microsoft.com/office/officeart/2005/8/layout/StepDownProcess">
+  <dgm:title val=""/>
+  <dgm:desc val=""/>
+  <dgm:catLst>
+    <dgm:cat type="process" pri="1600"/>
+  </dgm:catLst>
+  <dgm:sampData>
+    <dgm:dataModel>
+      <dgm:ptLst>
+        <dgm:pt modelId="0" type="doc"/>
+        <dgm:pt modelId="10">
+          <dgm:prSet phldr="1"/>
+        </dgm:pt>
+        <dgm:pt modelId="11">
+          <dgm:prSet phldr="1"/>
+        </dgm:pt>
+        <dgm:pt modelId="20">
+          <dgm:prSet phldr="1"/>
+        </dgm:pt>
+        <dgm:pt modelId="21">
+          <dgm:prSet phldr="1"/>
+        </dgm:pt>
+        <dgm:pt modelId="30">
+          <dgm:prSet phldr="1"/>
+        </dgm:pt>
+        <dgm:pt modelId="31">
+          <dgm:prSet phldr="1"/>
+        </dgm:pt>
+      </dgm:ptLst>
+      <dgm:cxnLst>
+        <dgm:cxn modelId="60" srcId="0" destId="10" srcOrd="0" destOrd="0"/>
+        <dgm:cxn modelId="12" srcId="10" destId="11" srcOrd="0" destOrd="0"/>
+        <dgm:cxn modelId="70" srcId="0" destId="20" srcOrd="1" destOrd="0"/>
+        <dgm:cxn modelId="22" srcId="20" destId="21" srcOrd="0" destOrd="0"/>
+        <dgm:cxn modelId="80" srcId="0" destId="30" srcOrd="2" destOrd="0"/>
+        <dgm:cxn modelId="32" srcId="30" destId="31" srcOrd="0" destOrd="0"/>
+      </dgm:cxnLst>
+      <dgm:bg/>
+      <dgm:whole/>
+    </dgm:dataModel>
+  </dgm:sampData>
+  <dgm:styleData>
+    <dgm:dataModel>
+      <dgm:ptLst>
+        <dgm:pt modelId="0" type="doc"/>
+        <dgm:pt modelId="10">
+          <dgm:prSet phldr="1"/>
+        </dgm:pt>
+        <dgm:pt modelId="20">
+          <dgm:prSet phldr="1"/>
+        </dgm:pt>
+      </dgm:ptLst>
+      <dgm:cxnLst>
+        <dgm:cxn modelId="60" srcId="0" destId="10" srcOrd="0" destOrd="0"/>
+        <dgm:cxn modelId="70" srcId="0" destId="20" srcOrd="1" destOrd="0"/>
+      </dgm:cxnLst>
+      <dgm:bg/>
+      <dgm:whole/>
+    </dgm:dataModel>
+  </dgm:styleData>
+  <dgm:clrData>
+    <dgm:dataModel>
+      <dgm:ptLst>
+        <dgm:pt modelId="0" type="doc"/>
+        <dgm:pt modelId="10">
+          <dgm:prSet phldr="1"/>
+        </dgm:pt>
+        <dgm:pt modelId="20">
+          <dgm:prSet phldr="1"/>
+        </dgm:pt>
+        <dgm:pt modelId="30">
+          <dgm:prSet phldr="1"/>
+        </dgm:pt>
+        <dgm:pt modelId="40">
+          <dgm:prSet phldr="1"/>
+        </dgm:pt>
+      </dgm:ptLst>
+      <dgm:cxnLst>
+        <dgm:cxn modelId="60" srcId="0" destId="10" srcOrd="0" destOrd="0"/>
+        <dgm:cxn modelId="70" srcId="0" destId="20" srcOrd="1" destOrd="0"/>
+        <dgm:cxn modelId="80" srcId="0" destId="30" srcOrd="2" destOrd="0"/>
+        <dgm:cxn modelId="90" srcId="0" destId="40" srcOrd="3" destOrd="0"/>
+      </dgm:cxnLst>
+      <dgm:bg/>
+      <dgm:whole/>
+    </dgm:dataModel>
+  </dgm:clrData>
+  <dgm:layoutNode name="rootnode">
+    <dgm:varLst>
+      <dgm:chMax/>
+      <dgm:chPref/>
+      <dgm:dir/>
+      <dgm:animLvl val="lvl"/>
+    </dgm:varLst>
+    <dgm:choose name="Name0">
+      <dgm:if name="Name1" func="var" arg="dir" op="equ" val="norm">
+        <dgm:alg type="snake">
+          <dgm:param type="grDir" val="tL"/>
+          <dgm:param type="flowDir" val="row"/>
+          <dgm:param type="off" val="off"/>
+          <dgm:param type="bkpt" val="fixed"/>
+          <dgm:param type="bkPtFixedVal" val="1"/>
+        </dgm:alg>
+      </dgm:if>
+      <dgm:else name="Name2">
+        <dgm:alg type="snake">
+          <dgm:param type="grDir" val="tR"/>
+          <dgm:param type="flowDir" val="row"/>
+          <dgm:param type="off" val="off"/>
+          <dgm:param type="bkpt" val="fixed"/>
+          <dgm:param type="bkPtFixedVal" val="1"/>
+        </dgm:alg>
+      </dgm:else>
+    </dgm:choose>
+    <dgm:shape xmlns:r="http://schemas.openxmlformats.org/officeDocument/2006/relationships" r:blip="">
+      <dgm:adjLst/>
+    </dgm:shape>
+    <dgm:choose name="Name3">
+      <dgm:if name="Name4" func="var" arg="dir" op="equ" val="norm">
+        <dgm:constrLst>
+          <dgm:constr type="alignOff" forName="rootnode" val="0.48"/>
+          <dgm:constr type="primFontSz" for="des" forName="ParentText" val="65"/>
+          <dgm:constr type="primFontSz" for="des" forName="ChildText" refType="primFontSz" refFor="des" refForName="ParentText" op="lte"/>
+          <dgm:constr type="w" for="ch" forName="composite" refType="w"/>
+          <dgm:constr type="h" for="ch" forName="composite" refType="h"/>
+          <dgm:constr type="sp" refType="h" refFor="ch" refForName="composite" op="equ" fact="-0.38"/>
+        </dgm:constrLst>
+      </dgm:if>
+      <dgm:else name="Name5">
+        <dgm:constrLst>
+          <dgm:constr type="alignOff" forName="rootnode" val="0.48"/>
+          <dgm:constr type="primFontSz" for="des" forName="ParentText" val="65"/>
+          <dgm:constr type="primFontSz" for="des" forName="ChildText" refType="primFontSz" refFor="des" refForName="ParentText" op="lte"/>
+          <dgm:constr type="w" for="ch" forName="composite" refType="w"/>
+          <dgm:constr type="h" for="ch" forName="composite" refType="h"/>
+          <dgm:constr type="sp" refType="h" refFor="ch" refForName="composite" op="equ" fact="-0.38"/>
+        </dgm:constrLst>
+      </dgm:else>
+    </dgm:choose>
+    <dgm:forEach name="nodesForEach" axis="ch" ptType="node">
+      <dgm:layoutNode name="composite">
+        <dgm:alg type="composite">
+          <dgm:param type="ar" val="1.2439"/>
+        </dgm:alg>
+        <dgm:shape xmlns:r="http://schemas.openxmlformats.org/officeDocument/2006/relationships" r:blip="">
+          <dgm:adjLst/>
+        </dgm:shape>
+        <dgm:choose name="Name6">
+          <dgm:if name="Name7" func="var" arg="dir" op="equ" val="norm">
+            <dgm:constrLst>
+              <dgm:constr type="l" for="ch" forName="bentUpArrow1" refType="w" fact="0.07"/>
+              <dgm:constr type="t" for="ch" forName="bentUpArrow1" refType="h" fact="0.524"/>
+              <dgm:constr type="w" for="ch" forName="bentUpArrow1" refType="w" fact="0.3844"/>
+              <dgm:constr type="h" for="ch" forName="bentUpArrow1" refType="h" fact="0.42"/>
+              <dgm:constr type="l" for="ch" forName="ParentText" refType="w" fact="0"/>
+              <dgm:constr type="t" for="ch" forName="ParentText" refType="h" fact="0"/>
+              <dgm:constr type="w" for="ch" forName="ParentText" refType="w" fact="0.5684"/>
+              <dgm:constr type="h" for="ch" forName="ParentText" refType="h" fact="0.4949"/>
+              <dgm:constr type="l" for="ch" forName="ChildText" refType="w" refFor="ch" refForName="ParentText"/>
+              <dgm:constr type="t" for="ch" forName="ChildText" refType="h" fact="0.05"/>
+              <dgm:constr type="w" for="ch" forName="ChildText" refType="w" fact="0.4134"/>
+              <dgm:constr type="h" for="ch" forName="ChildText" refType="h" fact="0.4"/>
+              <dgm:constr type="l" for="ch" forName="FinalChildText" refType="w" refFor="ch" refForName="ParentText"/>
+              <dgm:constr type="t" for="ch" forName="FinalChildText" refType="h" fact="0.05"/>
+              <dgm:constr type="w" for="ch" forName="FinalChildText" refType="w" fact="0.4134"/>
+              <dgm:constr type="h" for="ch" forName="FinalChildText" refType="h" fact="0.4"/>
+            </dgm:constrLst>
+          </dgm:if>
+          <dgm:else name="Name8">
+            <dgm:constrLst>
+              <dgm:constr type="r" for="ch" forName="bentUpArrow1" refType="w" fact="0.97"/>
+              <dgm:constr type="t" for="ch" forName="bentUpArrow1" refType="h" fact="0.524"/>
+              <dgm:constr type="w" for="ch" forName="bentUpArrow1" refType="w" fact="0.3844"/>
+              <dgm:constr type="h" for="ch" forName="bentUpArrow1" refType="h" fact="0.42"/>
+              <dgm:constr type="l" for="ch" forName="ParentText" refType="w" fact="0.4316"/>
+              <dgm:constr type="t" for="ch" forName="ParentText" refType="h" fact="0"/>
+              <dgm:constr type="w" for="ch" forName="ParentText" refType="w" fact="0.5684"/>
+              <dgm:constr type="h" for="ch" forName="ParentText" refType="h" fact="0.4949"/>
+              <dgm:constr type="l" for="ch" forName="ChildText" refType="w" fact="0"/>
+              <dgm:constr type="t" for="ch" forName="ChildText" refType="h" fact="0.05"/>
+              <dgm:constr type="w" for="ch" forName="ChildText" refType="w" fact="0.4134"/>
+              <dgm:constr type="h" for="ch" forName="ChildText" refType="h" fact="0.4"/>
+              <dgm:constr type="l" for="ch" forName="FinalChildText" refType="w" fact="0"/>
+              <dgm:constr type="t" for="ch" forName="FinalChildText" refType="h" fact="0.05"/>
+              <dgm:constr type="w" for="ch" forName="FinalChildText" refType="w" fact="0.4134"/>
+              <dgm:constr type="h" for="ch" forName="FinalChildText" refType="h" fact="0.4"/>
+            </dgm:constrLst>
+          </dgm:else>
+        </dgm:choose>
+        <dgm:choose name="Name9">
+          <dgm:if name="Name10" axis="followSib" ptType="node" func="cnt" op="gte" val="1">
+            <dgm:layoutNode name="bentUpArrow1" styleLbl="alignImgPlace1">
+              <dgm:alg type="sp"/>
+              <dgm:choose name="Name11">
+                <dgm:if name="Name12" func="var" arg="dir" op="equ" val="norm">
+                  <dgm:shape xmlns:r="http://schemas.openxmlformats.org/officeDocument/2006/relationships" rot="90" type="bentUpArrow" r:blip="">
+                    <dgm:adjLst>
+                      <dgm:adj idx="1" val="0.3284"/>
+                      <dgm:adj idx="2" val="0.25"/>
+                      <dgm:adj idx="3" val="0.3578"/>
+                    </dgm:adjLst>
+                  </dgm:shape>
+                </dgm:if>
+                <dgm:else name="Name13">
+                  <dgm:shape xmlns:r="http://schemas.openxmlformats.org/officeDocument/2006/relationships" rot="180" type="bentArrow" r:blip="">
+                    <dgm:adjLst>
+                      <dgm:adj idx="1" val="0.3284"/>
+                      <dgm:adj idx="2" val="0.25"/>
+                      <dgm:adj idx="3" val="0.3578"/>
+                      <dgm:adj idx="4" val="0"/>
+                    </dgm:adjLst>
+                  </dgm:shape>
+                </dgm:else>
+              </dgm:choose>
+              <dgm:presOf/>
+            </dgm:layoutNode>
+          </dgm:if>
+          <dgm:else name="Name14"/>
+        </dgm:choose>
+        <dgm:layoutNode name="ParentText" styleLbl="node1">
+          <dgm:varLst>
+            <dgm:chMax val="1"/>
+            <dgm:chPref val="1"/>
+            <dgm:bulletEnabled val="1"/>
+          </dgm:varLst>
+          <dgm:alg type="tx"/>
+          <dgm:shape xmlns:r="http://schemas.openxmlformats.org/officeDocument/2006/relationships" type="roundRect" r:blip="">
+            <dgm:adjLst>
+              <dgm:adj idx="1" val="0.1667"/>
+            </dgm:adjLst>
+          </dgm:shape>
+          <dgm:presOf axis="self" ptType="node"/>
+          <dgm:constrLst>
+            <dgm:constr type="lMarg" refType="primFontSz" fact="0.3"/>
+            <dgm:constr type="rMarg" refType="primFontSz" fact="0.3"/>
+            <dgm:constr type="tMarg" refType="primFontSz" fact="0.3"/>
+            <dgm:constr type="bMarg" refType="primFontSz" fact="0.3"/>
+          </dgm:constrLst>
+          <dgm:ruleLst>
+            <dgm:rule type="primFontSz" val="5" fact="NaN" max="NaN"/>
+          </dgm:ruleLst>
+        </dgm:layoutNode>
+        <dgm:choose name="Name15">
+          <dgm:if name="Name16" axis="followSib" ptType="node" func="cnt" op="equ" val="0">
+            <dgm:choose name="Name17">
+              <dgm:if name="Name18" axis="ch" ptType="node" func="cnt" op="gte" val="1">
+                <dgm:layoutNode name="FinalChildText" styleLbl="revTx">
+                  <dgm:varLst>
+                    <dgm:chMax val="0"/>
+                    <dgm:chPref val="0"/>
+                    <dgm:bulletEnabled val="1"/>
+                  </dgm:varLst>
+                  <dgm:alg type="tx">
+                    <dgm:param type="stBulletLvl" val="1"/>
+                    <dgm:param type="txAnchorVertCh" val="mid"/>
+                    <dgm:param type="parTxLTRAlign" val="l"/>
+                  </dgm:alg>
+                  <dgm:shape xmlns:r="http://schemas.openxmlformats.org/officeDocument/2006/relationships" type="rect" r:blip="">
+                    <dgm:adjLst/>
+                  </dgm:shape>
+                  <dgm:presOf axis="des" ptType="node"/>
+                  <dgm:constrLst>
+                    <dgm:constr type="lMarg" refType="primFontSz" fact="0.3"/>
+                    <dgm:constr type="rMarg" refType="primFontSz" fact="0.3"/>
+                    <dgm:constr type="tMarg" refType="primFontSz" fact="0.3"/>
+                    <dgm:constr type="bMarg" refType="primFontSz" fact="0.3"/>
+                  </dgm:constrLst>
+                  <dgm:ruleLst>
+                    <dgm:rule type="primFontSz" val="5" fact="NaN" max="NaN"/>
+                  </dgm:ruleLst>
+                </dgm:layoutNode>
+              </dgm:if>
+              <dgm:else name="Name19"/>
+            </dgm:choose>
+          </dgm:if>
+          <dgm:else name="Name20">
+            <dgm:layoutNode name="ChildText" styleLbl="revTx">
+              <dgm:varLst>
+                <dgm:chMax val="0"/>
+                <dgm:chPref val="0"/>
+                <dgm:bulletEnabled val="1"/>
+              </dgm:varLst>
+              <dgm:alg type="tx">
+                <dgm:param type="stBulletLvl" val="1"/>
+                <dgm:param type="txAnchorVertCh" val="mid"/>
+                <dgm:param type="parTxLTRAlign" val="l"/>
+              </dgm:alg>
+              <dgm:shape xmlns:r="http://schemas.openxmlformats.org/officeDocument/2006/relationships" type="rect" r:blip="">
+                <dgm:adjLst/>
+              </dgm:shape>
+              <dgm:presOf axis="des" ptType="node"/>
+              <dgm:constrLst>
+                <dgm:constr type="lMarg" refType="primFontSz" fact="0.3"/>
+                <dgm:constr type="rMarg" refType="primFontSz" fact="0.3"/>
+                <dgm:constr type="tMarg" refType="primFontSz" fact="0.3"/>
+                <dgm:constr type="bMarg" refType="primFontSz" fact="0.3"/>
+              </dgm:constrLst>
+              <dgm:ruleLst>
+                <dgm:rule type="primFontSz" val="5" fact="NaN" max="NaN"/>
+              </dgm:ruleLst>
+            </dgm:layoutNode>
+          </dgm:else>
+        </dgm:choose>
+      </dgm:layoutNode>
+      <dgm:forEach name="sibTransForEach" axis="followSib" ptType="sibTrans" cnt="1">
+        <dgm:layoutNode name="sibTrans">
+          <dgm:alg type="sp"/>
+          <dgm:shape xmlns:r="http://schemas.openxmlformats.org/officeDocument/2006/relationships" r:blip="">
+            <dgm:adjLst/>
+          </dgm:shape>
+        </dgm:layoutNode>
+      </dgm:forEach>
+    </dgm:forEach>
+  </dgm:layoutNode>
+</dgm:layoutDef>
+</file>
+
+<file path=ppt/diagrams/quickStyle1.xml><?xml version="1.0" encoding="utf-8"?>
+<dgm:styleDef xmlns:dgm="http://schemas.openxmlformats.org/drawingml/2006/diagram" xmlns:a="http://schemas.openxmlformats.org/drawingml/2006/main" uniqueId="urn:microsoft.com/office/officeart/2005/8/quickstyle/simple3">
+  <dgm:title val=""/>
+  <dgm:desc val=""/>
+  <dgm:catLst>
+    <dgm:cat type="simple" pri="10300"/>
+  </dgm:catLst>
+  <dgm:scene3d>
+    <a:camera prst="orthographicFront"/>
+    <a:lightRig rig="threePt" dir="t"/>
+  </dgm:scene3d>
+  <dgm:styleLbl name="node0">
+    <dgm:scene3d>
+      <a:camera prst="orthographicFront"/>
+      <a:lightRig rig="flat" dir="t"/>
+    </dgm:scene3d>
+    <dgm:sp3d prstMaterial="dkEdge">
+      <a:bevelT w="8200" h="38100"/>
+    </dgm:sp3d>
+    <dgm:txPr/>
+    <dgm:style>
+      <a:lnRef idx="0">
+        <a:scrgbClr r="0" g="0" b="0"/>
+      </a:lnRef>
+      <a:fillRef idx="2">
+        <a:scrgbClr r="0" g="0" b="0"/>
+      </a:fillRef>
+      <a:effectRef idx="1">
+        <a:scrgbClr r="0" g="0" b="0"/>
+      </a:effectRef>
+      <a:fontRef idx="minor">
+        <a:schemeClr val="dk1"/>
+      </a:fontRef>
+    </dgm:style>
+  </dgm:styleLbl>
+  <dgm:styleLbl name="lnNode1">
+    <dgm:scene3d>
+      <a:camera prst="orthographicFront"/>
+      <a:lightRig rig="flat" dir="t"/>
+    </dgm:scene3d>
+    <dgm:sp3d prstMaterial="dkEdge">
+      <a:bevelT w="8200" h="38100"/>
+    </dgm:sp3d>
+    <dgm:txPr/>
+    <dgm:style>
+      <a:lnRef idx="1">
+        <a:scrgbClr r="0" g="0" b="0"/>
+      </a:lnRef>
+      <a:fillRef idx="2">
+        <a:scrgbClr r="0" g="0" b="0"/>
+      </a:fillRef>
+      <a:effectRef idx="0">
+        <a:scrgbClr r="0" g="0" b="0"/>
+      </a:effectRef>
+      <a:fontRef idx="minor">
+        <a:schemeClr val="dk1"/>
+      </a:fontRef>
+    </dgm:style>
+  </dgm:styleLbl>
+  <dgm:styleLbl name="vennNode1">
+    <dgm:scene3d>
+      <a:camera prst="orthographicFront"/>
+      <a:lightRig rig="flat" dir="t"/>
+    </dgm:scene3d>
+    <dgm:sp3d prstMaterial="dkEdge">
+      <a:bevelT w="8200" h="38100"/>
+    </dgm:sp3d>
+    <dgm:txPr/>
+    <dgm:style>
+      <a:lnRef idx="0">
+        <a:scrgbClr r="0" g="0" b="0"/>
+      </a:lnRef>
+      <a:fillRef idx="2">
+        <a:scrgbClr r="0" g="0" b="0"/>
+      </a:fillRef>
+      <a:effectRef idx="0">
+        <a:scrgbClr r="0" g="0" b="0"/>
+      </a:effectRef>
+      <a:fontRef idx="minor">
+        <a:schemeClr val="tx1"/>
+      </a:fontRef>
+    </dgm:style>
+  </dgm:styleLbl>
+  <dgm:styleLbl name="alignNode1">
+    <dgm:scene3d>
+      <a:camera prst="orthographicFront"/>
+      <a:lightRig rig="threePt" dir="t"/>
+    </dgm:scene3d>
+    <dgm:sp3d/>
+    <dgm:txPr/>
+    <dgm:style>
+      <a:lnRef idx="1">
+        <a:scrgbClr r="0" g="0" b="0"/>
+      </a:lnRef>
+      <a:fillRef idx="2">
+        <a:scrgbClr r="0" g="0" b="0"/>
+      </a:fillRef>
+      <a:effectRef idx="1">
+        <a:scrgbClr r="0" g="0" b="0"/>
+      </a:effectRef>
+      <a:fontRef idx="minor">
+        <a:schemeClr val="dk1"/>
+      </a:fontRef>
+    </dgm:style>
+  </dgm:styleLbl>
+  <dgm:styleLbl name="node1">
+    <dgm:scene3d>
+      <a:camera prst="orthographicFront"/>
+      <a:lightRig rig="flat" dir="t"/>
+    </dgm:scene3d>
+    <dgm:sp3d prstMaterial="dkEdge">
+      <a:bevelT w="8200" h="38100"/>
+    </dgm:sp3d>
+    <dgm:txPr/>
+    <dgm:style>
+      <a:lnRef idx="0">
+        <a:scrgbClr r="0" g="0" b="0"/>
+      </a:lnRef>
+      <a:fillRef idx="2">
+        <a:scrgbClr r="0" g="0" b="0"/>
+      </a:fillRef>
+      <a:effectRef idx="1">
+        <a:scrgbClr r="0" g="0" b="0"/>
+      </a:effectRef>
+      <a:fontRef idx="minor">
+        <a:schemeClr val="dk1"/>
+      </a:fontRef>
+    </dgm:style>
+  </dgm:styleLbl>
+  <dgm:styleLbl name="node2">
+    <dgm:scene3d>
+      <a:camera prst="orthographicFront"/>
+      <a:lightRig rig="flat" dir="t"/>
+    </dgm:scene3d>
+    <dgm:sp3d prstMaterial="dkEdge">
+      <a:bevelT w="8200" h="38100"/>
+    </dgm:sp3d>
+    <dgm:txPr/>
+    <dgm:style>
+      <a:lnRef idx="0">
+        <a:scrgbClr r="0" g="0" b="0"/>
+      </a:lnRef>
+      <a:fillRef idx="2">
+        <a:scrgbClr r="0" g="0" b="0"/>
+      </a:fillRef>
+      <a:effectRef idx="1">
+        <a:scrgbClr r="0" g="0" b="0"/>
+      </a:effectRef>
+      <a:fontRef idx="minor">
+        <a:schemeClr val="dk1"/>
+      </a:fontRef>
+    </dgm:style>
+  </dgm:styleLbl>
+  <dgm:styleLbl name="node3">
+    <dgm:scene3d>
+      <a:camera prst="orthographicFront"/>
+      <a:lightRig rig="flat" dir="t"/>
+    </dgm:scene3d>
+    <dgm:sp3d prstMaterial="dkEdge">
+      <a:bevelT w="8200" h="38100"/>
+    </dgm:sp3d>
+    <dgm:txPr/>
+    <dgm:style>
+      <a:lnRef idx="0">
+        <a:scrgbClr r="0" g="0" b="0"/>
+      </a:lnRef>
+      <a:fillRef idx="2">
+        <a:scrgbClr r="0" g="0" b="0"/>
+      </a:fillRef>
+      <a:effectRef idx="1">
+        <a:scrgbClr r="0" g="0" b="0"/>
+      </a:effectRef>
+      <a:fontRef idx="minor">
+        <a:schemeClr val="dk1"/>
+      </a:fontRef>
+    </dgm:style>
+  </dgm:styleLbl>
+  <dgm:styleLbl name="node4">
+    <dgm:scene3d>
+      <a:camera prst="orthographicFront"/>
+      <a:lightRig rig="flat" dir="t"/>
+    </dgm:scene3d>
+    <dgm:sp3d prstMaterial="dkEdge">
+      <a:bevelT w="8200" h="38100"/>
+    </dgm:sp3d>
+    <dgm:txPr/>
+    <dgm:style>
+      <a:lnRef idx="0">
+        <a:scrgbClr r="0" g="0" b="0"/>
+      </a:lnRef>
+      <a:fillRef idx="2">
+        <a:scrgbClr r="0" g="0" b="0"/>
+      </a:fillRef>
+      <a:effectRef idx="1">
+        <a:scrgbClr r="0" g="0" b="0"/>
+      </a:effectRef>
+      <a:fontRef idx="minor">
+        <a:schemeClr val="dk1"/>
+      </a:fontRef>
+    </dgm:style>
+  </dgm:styleLbl>
+  <dgm:styleLbl name="fgImgPlace1">
+    <dgm:scene3d>
+      <a:camera prst="orthographicFront"/>
+      <a:lightRig rig="threePt" dir="t"/>
+    </dgm:scene3d>
+    <dgm:sp3d/>
+    <dgm:txPr/>
+    <dgm:style>
+      <a:lnRef idx="1">
+        <a:scrgbClr r="0" g="0" b="0"/>
+      </a:lnRef>
+      <a:fillRef idx="1">
+        <a:scrgbClr r="0" g="0" b="0"/>
+      </a:fillRef>
+      <a:effectRef idx="1">
+        <a:scrgbClr r="0" g="0" b="0"/>
+      </a:effectRef>
+      <a:fontRef idx="minor"/>
+    </dgm:style>
+  </dgm:styleLbl>
+  <dgm:styleLbl name="alignImgPlace1">
+    <dgm:scene3d>
+      <a:camera prst="orthographicFront"/>
+      <a:lightRig rig="threePt" dir="t"/>
+    </dgm:scene3d>
+    <dgm:sp3d/>
+    <dgm:txPr/>
+    <dgm:style>
+      <a:lnRef idx="1">
+        <a:scrgbClr r="0" g="0" b="0"/>
+      </a:lnRef>
+      <a:fillRef idx="1">
+        <a:scrgbClr r="0" g="0" b="0"/>
+      </a:fillRef>
+      <a:effectRef idx="1">
+        <a:scrgbClr r="0" g="0" b="0"/>
+      </a:effectRef>
+      <a:fontRef idx="minor"/>
+    </dgm:style>
+  </dgm:styleLbl>
+  <dgm:styleLbl name="bgImgPlace1">
+    <dgm:scene3d>
+      <a:camera prst="orthographicFront"/>
+      <a:lightRig rig="threePt" dir="t"/>
+    </dgm:scene3d>
+    <dgm:sp3d/>
+    <dgm:txPr/>
+    <dgm:style>
+      <a:lnRef idx="1">
+        <a:scrgbClr r="0" g="0" b="0"/>
+      </a:lnRef>
+      <a:fillRef idx="1">
+        <a:scrgbClr r="0" g="0" b="0"/>
+      </a:fillRef>
+      <a:effectRef idx="1">
+        <a:scrgbClr r="0" g="0" b="0"/>
+      </a:effectRef>
+      <a:fontRef idx="minor"/>
+    </dgm:style>
+  </dgm:styleLbl>
+  <dgm:styleLbl name="sibTrans2D1">
+    <dgm:scene3d>
+      <a:camera prst="orthographicFront"/>
+      <a:lightRig rig="threePt" dir="t"/>
+    </dgm:scene3d>
+    <dgm:sp3d/>
+    <dgm:txPr/>
+    <dgm:style>
+      <a:lnRef idx="0">
+        <a:scrgbClr r="0" g="0" b="0"/>
+      </a:lnRef>
+      <a:fillRef idx="2">
+        <a:scrgbClr r="0" g="0" b="0"/>
+      </a:fillRef>
+      <a:effectRef idx="1">
+        <a:scrgbClr r="0" g="0" b="0"/>
+      </a:effectRef>
+      <a:fontRef idx="minor">
+        <a:schemeClr val="dk1"/>
+      </a:fontRef>
+    </dgm:style>
+  </dgm:styleLbl>
+  <dgm:styleLbl name="fgSibTrans2D1">
+    <dgm:scene3d>
+      <a:camera prst="orthographicFront"/>
+      <a:lightRig rig="threePt" dir="t"/>
+    </dgm:scene3d>
+    <dgm:sp3d/>
+    <dgm:txPr/>
+    <dgm:style>
+      <a:lnRef idx="0">
+        <a:scrgbClr r="0" g="0" b="0"/>
+      </a:lnRef>
+      <a:fillRef idx="2">
+        <a:scrgbClr r="0" g="0" b="0"/>
+      </a:fillRef>
+      <a:effectRef idx="1">
+        <a:scrgbClr r="0" g="0" b="0"/>
+      </a:effectRef>
+      <a:fontRef idx="minor">
+        <a:schemeClr val="dk1"/>
+      </a:fontRef>
+    </dgm:style>
+  </dgm:styleLbl>
+  <dgm:styleLbl name="bgSibTrans2D1">
+    <dgm:scene3d>
+      <a:camera prst="orthographicFront"/>
+      <a:lightRig rig="threePt" dir="t"/>
+    </dgm:scene3d>
+    <dgm:sp3d/>
+    <dgm:txPr/>
+    <dgm:style>
+      <a:lnRef idx="0">
+        <a:scrgbClr r="0" g="0" b="0"/>
+      </a:lnRef>
+      <a:fillRef idx="2">
+        <a:scrgbClr r="0" g="0" b="0"/>
+      </a:fillRef>
+      <a:effectRef idx="1">
+        <a:scrgbClr r="0" g="0" b="0"/>
+      </a:effectRef>
+      <a:fontRef idx="minor">
+        <a:schemeClr val="dk1"/>
+      </a:fontRef>
+    </dgm:style>
+  </dgm:styleLbl>
+  <dgm:styleLbl name="sibTrans1D1">
+    <dgm:scene3d>
+      <a:camera prst="orthographicFront"/>
+      <a:lightRig rig="threePt" dir="t"/>
+    </dgm:scene3d>
+    <dgm:sp3d/>
+    <dgm:txPr/>
+    <dgm:style>
+      <a:lnRef idx="1">
+        <a:scrgbClr r="0" g="0" b="0"/>
+      </a:lnRef>
+      <a:fillRef idx="0">
+        <a:scrgbClr r="0" g="0" b="0"/>
+      </a:fillRef>
+      <a:effectRef idx="0">
+        <a:scrgbClr r="0" g="0" b="0"/>
+      </a:effectRef>
+      <a:fontRef idx="minor"/>
+    </dgm:style>
+  </dgm:styleLbl>
+  <dgm:styleLbl name="callout">
+    <dgm:scene3d>
+      <a:camera prst="orthographicFront"/>
+      <a:lightRig rig="threePt" dir="t"/>
+    </dgm:scene3d>
+    <dgm:sp3d/>
+    <dgm:txPr/>
+    <dgm:style>
+      <a:lnRef idx="1">
+        <a:scrgbClr r="0" g="0" b="0"/>
+      </a:lnRef>
+      <a:fillRef idx="2">
+        <a:scrgbClr r="0" g="0" b="0"/>
+      </a:fillRef>
+      <a:effectRef idx="1">
+        <a:scrgbClr r="0" g="0" b="0"/>
+      </a:effectRef>
+      <a:fontRef idx="minor"/>
+    </dgm:style>
+  </dgm:styleLbl>
+  <dgm:styleLbl name="asst0">
+    <dgm:scene3d>
+      <a:camera prst="orthographicFront"/>
+      <a:lightRig rig="flat" dir="t"/>
+    </dgm:scene3d>
+    <dgm:sp3d prstMaterial="dkEdge">
+      <a:bevelT w="8200" h="38100"/>
+    </dgm:sp3d>
+    <dgm:txPr/>
+    <dgm:style>
+      <a:lnRef idx="0">
+        <a:scrgbClr r="0" g="0" b="0"/>
+      </a:lnRef>
+      <a:fillRef idx="2">
+        <a:scrgbClr r="0" g="0" b="0"/>
+      </a:fillRef>
+      <a:effectRef idx="1">
+        <a:scrgbClr r="0" g="0" b="0"/>
+      </a:effectRef>
+      <a:fontRef idx="minor">
+        <a:schemeClr val="dk1"/>
+      </a:fontRef>
+    </dgm:style>
+  </dgm:styleLbl>
+  <dgm:styleLbl name="asst1">
+    <dgm:scene3d>
+      <a:camera prst="orthographicFront"/>
+      <a:lightRig rig="flat" dir="t"/>
+    </dgm:scene3d>
+    <dgm:sp3d prstMaterial="dkEdge">
+      <a:bevelT w="8200" h="38100"/>
+    </dgm:sp3d>
+    <dgm:txPr/>
+    <dgm:style>
+      <a:lnRef idx="0">
+        <a:scrgbClr r="0" g="0" b="0"/>
+      </a:lnRef>
+      <a:fillRef idx="2">
+        <a:scrgbClr r="0" g="0" b="0"/>
+      </a:fillRef>
+      <a:effectRef idx="1">
+        <a:scrgbClr r="0" g="0" b="0"/>
+      </a:effectRef>
+      <a:fontRef idx="minor">
+        <a:schemeClr val="dk1"/>
+      </a:fontRef>
+    </dgm:style>
+  </dgm:styleLbl>
+  <dgm:styleLbl name="asst2">
+    <dgm:scene3d>
+      <a:camera prst="orthographicFront"/>
+      <a:lightRig rig="flat" dir="t"/>
+    </dgm:scene3d>
+    <dgm:sp3d prstMaterial="dkEdge">
+      <a:bevelT w="8200" h="38100"/>
+    </dgm:sp3d>
+    <dgm:txPr/>
+    <dgm:style>
+      <a:lnRef idx="0">
+        <a:scrgbClr r="0" g="0" b="0"/>
+      </a:lnRef>
+      <a:fillRef idx="2">
+        <a:scrgbClr r="0" g="0" b="0"/>
+      </a:fillRef>
+      <a:effectRef idx="1">
+        <a:scrgbClr r="0" g="0" b="0"/>
+      </a:effectRef>
+      <a:fontRef idx="minor">
+        <a:schemeClr val="dk1"/>
+      </a:fontRef>
+    </dgm:style>
+  </dgm:styleLbl>
+  <dgm:styleLbl name="asst3">
+    <dgm:scene3d>
+      <a:camera prst="orthographicFront"/>
+      <a:lightRig rig="flat" dir="t"/>
+    </dgm:scene3d>
+    <dgm:sp3d prstMaterial="dkEdge">
+      <a:bevelT w="8200" h="38100"/>
+    </dgm:sp3d>
+    <dgm:txPr/>
+    <dgm:style>
+      <a:lnRef idx="0">
+        <a:scrgbClr r="0" g="0" b="0"/>
+      </a:lnRef>
+      <a:fillRef idx="2">
+        <a:scrgbClr r="0" g="0" b="0"/>
+      </a:fillRef>
+      <a:effectRef idx="1">
+        <a:scrgbClr r="0" g="0" b="0"/>
+      </a:effectRef>
+      <a:fontRef idx="minor">
+        <a:schemeClr val="dk1"/>
+      </a:fontRef>
+    </dgm:style>
+  </dgm:styleLbl>
+  <dgm:styleLbl name="asst4">
+    <dgm:scene3d>
+      <a:camera prst="orthographicFront"/>
+      <a:lightRig rig="flat" dir="t"/>
+    </dgm:scene3d>
+    <dgm:sp3d prstMaterial="dkEdge">
+      <a:bevelT w="8200" h="38100"/>
+    </dgm:sp3d>
+    <dgm:txPr/>
+    <dgm:style>
+      <a:lnRef idx="0">
+        <a:scrgbClr r="0" g="0" b="0"/>
+      </a:lnRef>
+      <a:fillRef idx="2">
+        <a:scrgbClr r="0" g="0" b="0"/>
+      </a:fillRef>
+      <a:effectRef idx="1">
+        <a:scrgbClr r="0" g="0" b="0"/>
+      </a:effectRef>
+      <a:fontRef idx="minor">
+        <a:schemeClr val="dk1"/>
+      </a:fontRef>
+    </dgm:style>
+  </dgm:styleLbl>
+  <dgm:styleLbl name="parChTrans2D1">
+    <dgm:scene3d>
+      <a:camera prst="orthographicFront"/>
+      <a:lightRig rig="threePt" dir="t"/>
+    </dgm:scene3d>
+    <dgm:sp3d/>
+    <dgm:txPr/>
+    <dgm:style>
+      <a:lnRef idx="1">
+        <a:scrgbClr r="0" g="0" b="0"/>
+      </a:lnRef>
+      <a:fillRef idx="2">
+        <a:scrgbClr r="0" g="0" b="0"/>
+      </a:fillRef>
+      <a:effectRef idx="1">
+        <a:scrgbClr r="0" g="0" b="0"/>
+      </a:effectRef>
+      <a:fontRef idx="minor">
+        <a:schemeClr val="dk1"/>
+      </a:fontRef>
+    </dgm:style>
+  </dgm:styleLbl>
+  <dgm:styleLbl name="parChTrans2D2">
+    <dgm:scene3d>
+      <a:camera prst="orthographicFront"/>
+      <a:lightRig rig="threePt" dir="t"/>
+    </dgm:scene3d>
+    <dgm:sp3d/>
+    <dgm:txPr/>
+    <dgm:style>
+      <a:lnRef idx="1">
+        <a:scrgbClr r="0" g="0" b="0"/>
+      </a:lnRef>
+      <a:fillRef idx="2">
+        <a:scrgbClr r="0" g="0" b="0"/>
+      </a:fillRef>
+      <a:effectRef idx="1">
+        <a:scrgbClr r="0" g="0" b="0"/>
+      </a:effectRef>
+      <a:fontRef idx="minor">
+        <a:schemeClr val="dk1"/>
+      </a:fontRef>
+    </dgm:style>
+  </dgm:styleLbl>
+  <dgm:styleLbl name="parChTrans2D3">
+    <dgm:scene3d>
+      <a:camera prst="orthographicFront"/>
+      <a:lightRig rig="threePt" dir="t"/>
+    </dgm:scene3d>
+    <dgm:sp3d/>
+    <dgm:txPr/>
+    <dgm:style>
+      <a:lnRef idx="1">
+        <a:scrgbClr r="0" g="0" b="0"/>
+      </a:lnRef>
+      <a:fillRef idx="2">
+        <a:scrgbClr r="0" g="0" b="0"/>
+      </a:fillRef>
+      <a:effectRef idx="1">
+        <a:scrgbClr r="0" g="0" b="0"/>
+      </a:effectRef>
+      <a:fontRef idx="minor">
+        <a:schemeClr val="dk1"/>
+      </a:fontRef>
+    </dgm:style>
+  </dgm:styleLbl>
+  <dgm:styleLbl name="parChTrans2D4">
+    <dgm:scene3d>
+      <a:camera prst="orthographicFront"/>
+      <a:lightRig rig="threePt" dir="t"/>
+    </dgm:scene3d>
+    <dgm:sp3d/>
+    <dgm:txPr/>
+    <dgm:style>
+      <a:lnRef idx="1">
+        <a:scrgbClr r="0" g="0" b="0"/>
+      </a:lnRef>
+      <a:fillRef idx="2">
+        <a:scrgbClr r="0" g="0" b="0"/>
+      </a:fillRef>
+      <a:effectRef idx="1">
+        <a:scrgbClr r="0" g="0" b="0"/>
+      </a:effectRef>
+      <a:fontRef idx="minor">
+        <a:schemeClr val="dk1"/>
+      </a:fontRef>
+    </dgm:style>
+  </dgm:styleLbl>
+  <dgm:styleLbl name="parChTrans1D1">
+    <dgm:scene3d>
+      <a:camera prst="orthographicFront"/>
+      <a:lightRig rig="threePt" dir="t"/>
+    </dgm:scene3d>
+    <dgm:sp3d/>
+    <dgm:txPr/>
+    <dgm:style>
+      <a:lnRef idx="2">
+        <a:scrgbClr r="0" g="0" b="0"/>
+      </a:lnRef>
+      <a:fillRef idx="0">
+        <a:scrgbClr r="0" g="0" b="0"/>
+      </a:fillRef>
+      <a:effectRef idx="0">
+        <a:scrgbClr r="0" g="0" b="0"/>
+      </a:effectRef>
+      <a:fontRef idx="minor"/>
+    </dgm:style>
+  </dgm:styleLbl>
+  <dgm:styleLbl name="parChTrans1D2">
+    <dgm:scene3d>
+      <a:camera prst="orthographicFront"/>
+      <a:lightRig rig="threePt" dir="t"/>
+    </dgm:scene3d>
+    <dgm:sp3d/>
+    <dgm:txPr/>
+    <dgm:style>
+      <a:lnRef idx="2">
+        <a:scrgbClr r="0" g="0" b="0"/>
+      </a:lnRef>
+      <a:fillRef idx="0">
+        <a:scrgbClr r="0" g="0" b="0"/>
+      </a:fillRef>
+      <a:effectRef idx="0">
+        <a:scrgbClr r="0" g="0" b="0"/>
+      </a:effectRef>
+      <a:fontRef idx="minor"/>
+    </dgm:style>
+  </dgm:styleLbl>
+  <dgm:styleLbl name="parChTrans1D3">
+    <dgm:scene3d>
+      <a:camera prst="orthographicFront"/>
+      <a:lightRig rig="threePt" dir="t"/>
+    </dgm:scene3d>
+    <dgm:sp3d/>
+    <dgm:txPr/>
+    <dgm:style>
+      <a:lnRef idx="2">
+        <a:scrgbClr r="0" g="0" b="0"/>
+      </a:lnRef>
+      <a:fillRef idx="0">
+        <a:scrgbClr r="0" g="0" b="0"/>
+      </a:fillRef>
+      <a:effectRef idx="0">
+        <a:scrgbClr r="0" g="0" b="0"/>
+      </a:effectRef>
+      <a:fontRef idx="minor"/>
+    </dgm:style>
+  </dgm:styleLbl>
+  <dgm:styleLbl name="parChTrans1D4">
+    <dgm:scene3d>
+      <a:camera prst="orthographicFront"/>
+      <a:lightRig rig="threePt" dir="t"/>
+    </dgm:scene3d>
+    <dgm:sp3d/>
+    <dgm:txPr/>
+    <dgm:style>
+      <a:lnRef idx="2">
+        <a:scrgbClr r="0" g="0" b="0"/>
+      </a:lnRef>
+      <a:fillRef idx="0">
+        <a:scrgbClr r="0" g="0" b="0"/>
+      </a:fillRef>
+      <a:effectRef idx="0">
+        <a:scrgbClr r="0" g="0" b="0"/>
+      </a:effectRef>
+      <a:fontRef idx="minor"/>
+    </dgm:style>
+  </dgm:styleLbl>
+  <dgm:styleLbl name="fgAcc1">
+    <dgm:scene3d>
+      <a:camera prst="orthographicFront"/>
+      <a:lightRig rig="threePt" dir="t"/>
+    </dgm:scene3d>
+    <dgm:sp3d/>
+    <dgm:txPr/>
+    <dgm:style>
+      <a:lnRef idx="1">
+        <a:scrgbClr r="0" g="0" b="0"/>
+      </a:lnRef>
+      <a:fillRef idx="1">
+        <a:scrgbClr r="0" g="0" b="0"/>
+      </a:fillRef>
+      <a:effectRef idx="0">
+        <a:scrgbClr r="0" g="0" b="0"/>
+      </a:effectRef>
+      <a:fontRef idx="minor"/>
+    </dgm:style>
+  </dgm:styleLbl>
+  <dgm:styleLbl name="conFgAcc1">
+    <dgm:scene3d>
+      <a:camera prst="orthographicFront"/>
+      <a:lightRig rig="threePt" dir="t"/>
+    </dgm:scene3d>
+    <dgm:sp3d/>
+    <dgm:txPr/>
+    <dgm:style>
+      <a:lnRef idx="1">
+        <a:scrgbClr r="0" g="0" b="0"/>
+      </a:lnRef>
+      <a:fillRef idx="1">
+        <a:scrgbClr r="0" g="0" b="0"/>
+      </a:fillRef>
+      <a:effectRef idx="0">
+        <a:scrgbClr r="0" g="0" b="0"/>
+      </a:effectRef>
+      <a:fontRef idx="minor"/>
+    </dgm:style>
+  </dgm:styleLbl>
+  <dgm:styleLbl name="alignAcc1">
+    <dgm:scene3d>
+      <a:camera prst="orthographicFront"/>
+      <a:lightRig rig="threePt" dir="t"/>
+    </dgm:scene3d>
+    <dgm:sp3d/>
+    <dgm:txPr/>
+    <dgm:style>
+      <a:lnRef idx="1">
+        <a:scrgbClr r="0" g="0" b="0"/>
+      </a:lnRef>
+      <a:fillRef idx="1">
+        <a:scrgbClr r="0" g="0" b="0"/>
+      </a:fillRef>
+      <a:effectRef idx="0">
+        <a:scrgbClr r="0" g="0" b="0"/>
+      </a:effectRef>
+      <a:fontRef idx="minor"/>
+    </dgm:style>
+  </dgm:styleLbl>
+  <dgm:styleLbl name="trAlignAcc1">
+    <dgm:scene3d>
+      <a:camera prst="orthographicFront"/>
+      <a:lightRig rig="threePt" dir="t"/>
+    </dgm:scene3d>
+    <dgm:sp3d/>
+    <dgm:txPr/>
+    <dgm:style>
+      <a:lnRef idx="1">
+        <a:scrgbClr r="0" g="0" b="0"/>
+      </a:lnRef>
+      <a:fillRef idx="1">
+        <a:scrgbClr r="0" g="0" b="0"/>
+      </a:fillRef>
+      <a:effectRef idx="0">
+        <a:scrgbClr r="0" g="0" b="0"/>
+      </a:effectRef>
+      <a:fontRef idx="minor"/>
+    </dgm:style>
+  </dgm:styleLbl>
+  <dgm:styleLbl name="bgAcc1">
+    <dgm:scene3d>
+      <a:camera prst="orthographicFront"/>
+      <a:lightRig rig="threePt" dir="t"/>
+    </dgm:scene3d>
+    <dgm:sp3d/>
+    <dgm:txPr/>
+    <dgm:style>
+      <a:lnRef idx="1">
+        <a:scrgbClr r="0" g="0" b="0"/>
+      </a:lnRef>
+      <a:fillRef idx="1">
+        <a:scrgbClr r="0" g="0" b="0"/>
+      </a:fillRef>
+      <a:effectRef idx="0">
+        <a:scrgbClr r="0" g="0" b="0"/>
+      </a:effectRef>
+      <a:fontRef idx="minor"/>
+    </dgm:style>
+  </dgm:styleLbl>
+  <dgm:styleLbl name="solidFgAcc1">
+    <dgm:scene3d>
+      <a:camera prst="orthographicFront"/>
+      <a:lightRig rig="threePt" dir="t"/>
+    </dgm:scene3d>
+    <dgm:sp3d/>
+    <dgm:txPr/>
+    <dgm:style>
+      <a:lnRef idx="1">
+        <a:scrgbClr r="0" g="0" b="0"/>
+      </a:lnRef>
+      <a:fillRef idx="2">
+        <a:scrgbClr r="0" g="0" b="0"/>
+      </a:fillRef>
+      <a:effectRef idx="0">
+        <a:scrgbClr r="0" g="0" b="0"/>
+      </a:effectRef>
+      <a:fontRef idx="minor"/>
+    </dgm:style>
+  </dgm:styleLbl>
+  <dgm:styleLbl name="solidAlignAcc1">
+    <dgm:scene3d>
+      <a:camera prst="orthographicFront"/>
+      <a:lightRig rig="threePt" dir="t"/>
+    </dgm:scene3d>
+    <dgm:sp3d/>
+    <dgm:txPr/>
+    <dgm:style>
+      <a:lnRef idx="1">
+        <a:scrgbClr r="0" g="0" b="0"/>
+      </a:lnRef>
+      <a:fillRef idx="1">
+        <a:scrgbClr r="0" g="0" b="0"/>
+      </a:fillRef>
+      <a:effectRef idx="0">
+        <a:scrgbClr r="0" g="0" b="0"/>
+      </a:effectRef>
+      <a:fontRef idx="minor"/>
+    </dgm:style>
+  </dgm:styleLbl>
+  <dgm:styleLbl name="solidBgAcc1">
+    <dgm:scene3d>
+      <a:camera prst="orthographicFront"/>
+      <a:lightRig rig="threePt" dir="t"/>
+    </dgm:scene3d>
+    <dgm:sp3d/>
+    <dgm:txPr/>
+    <dgm:style>
+      <a:lnRef idx="1">
+        <a:scrgbClr r="0" g="0" b="0"/>
+      </a:lnRef>
+      <a:fillRef idx="1">
+        <a:scrgbClr r="0" g="0" b="0"/>
+      </a:fillRef>
+      <a:effectRef idx="0">
+        <a:scrgbClr r="0" g="0" b="0"/>
+      </a:effectRef>
+      <a:fontRef idx="minor"/>
+    </dgm:style>
+  </dgm:styleLbl>
+  <dgm:styleLbl name="fgAccFollowNode1">
+    <dgm:scene3d>
+      <a:camera prst="orthographicFront"/>
+      <a:lightRig rig="threePt" dir="t"/>
+    </dgm:scene3d>
+    <dgm:sp3d/>
+    <dgm:txPr/>
+    <dgm:style>
+      <a:lnRef idx="1">
+        <a:scrgbClr r="0" g="0" b="0"/>
+      </a:lnRef>
+      <a:fillRef idx="1">
+        <a:scrgbClr r="0" g="0" b="0"/>
+      </a:fillRef>
+      <a:effectRef idx="0">
+        <a:scrgbClr r="0" g="0" b="0"/>
+      </a:effectRef>
+      <a:fontRef idx="minor"/>
+    </dgm:style>
+  </dgm:styleLbl>
+  <dgm:styleLbl name="alignAccFollowNode1">
+    <dgm:scene3d>
+      <a:camera prst="orthographicFront"/>
+      <a:lightRig rig="threePt" dir="t"/>
+    </dgm:scene3d>
+    <dgm:sp3d/>
+    <dgm:txPr/>
+    <dgm:style>
+      <a:lnRef idx="1">
+        <a:scrgbClr r="0" g="0" b="0"/>
+      </a:lnRef>
+      <a:fillRef idx="1">
+        <a:scrgbClr r="0" g="0" b="0"/>
+      </a:fillRef>
+      <a:effectRef idx="0">
+        <a:scrgbClr r="0" g="0" b="0"/>
+      </a:effectRef>
+      <a:fontRef idx="minor"/>
+    </dgm:style>
+  </dgm:styleLbl>
+  <dgm:styleLbl name="bgAccFollowNode1">
+    <dgm:scene3d>
+      <a:camera prst="orthographicFront"/>
+      <a:lightRig rig="threePt" dir="t"/>
+    </dgm:scene3d>
+    <dgm:sp3d/>
+    <dgm:txPr/>
+    <dgm:style>
+      <a:lnRef idx="1">
+        <a:scrgbClr r="0" g="0" b="0"/>
+      </a:lnRef>
+      <a:fillRef idx="1">
+        <a:scrgbClr r="0" g="0" b="0"/>
+      </a:fillRef>
+      <a:effectRef idx="0">
+        <a:scrgbClr r="0" g="0" b="0"/>
+      </a:effectRef>
+      <a:fontRef idx="minor"/>
+    </dgm:style>
+  </dgm:styleLbl>
+  <dgm:styleLbl name="fgAcc0">
+    <dgm:scene3d>
+      <a:camera prst="orthographicFront"/>
+      <a:lightRig rig="threePt" dir="t"/>
+    </dgm:scene3d>
+    <dgm:sp3d/>
+    <dgm:txPr/>
+    <dgm:style>
+      <a:lnRef idx="1">
+        <a:scrgbClr r="0" g="0" b="0"/>
+      </a:lnRef>
+      <a:fillRef idx="1">
+        <a:scrgbClr r="0" g="0" b="0"/>
+      </a:fillRef>
+      <a:effectRef idx="0">
+        <a:scrgbClr r="0" g="0" b="0"/>
+      </a:effectRef>
+      <a:fontRef idx="minor"/>
+    </dgm:style>
+  </dgm:styleLbl>
+  <dgm:styleLbl name="fgAcc2">
+    <dgm:scene3d>
+      <a:camera prst="orthographicFront"/>
+      <a:lightRig rig="threePt" dir="t"/>
+    </dgm:scene3d>
+    <dgm:sp3d/>
+    <dgm:txPr/>
+    <dgm:style>
+      <a:lnRef idx="1">
+        <a:scrgbClr r="0" g="0" b="0"/>
+      </a:lnRef>
+      <a:fillRef idx="1">
+        <a:scrgbClr r="0" g="0" b="0"/>
+      </a:fillRef>
+      <a:effectRef idx="0">
+        <a:scrgbClr r="0" g="0" b="0"/>
+      </a:effectRef>
+      <a:fontRef idx="minor"/>
+    </dgm:style>
+  </dgm:styleLbl>
+  <dgm:styleLbl name="fgAcc3">
+    <dgm:scene3d>
+      <a:camera prst="orthographicFront"/>
+      <a:lightRig rig="threePt" dir="t"/>
+    </dgm:scene3d>
+    <dgm:sp3d/>
+    <dgm:txPr/>
+    <dgm:style>
+      <a:lnRef idx="1">
+        <a:scrgbClr r="0" g="0" b="0"/>
+      </a:lnRef>
+      <a:fillRef idx="1">
+        <a:scrgbClr r="0" g="0" b="0"/>
+      </a:fillRef>
+      <a:effectRef idx="0">
+        <a:scrgbClr r="0" g="0" b="0"/>
+      </a:effectRef>
+      <a:fontRef idx="minor"/>
+    </dgm:style>
+  </dgm:styleLbl>
+  <dgm:styleLbl name="fgAcc4">
+    <dgm:scene3d>
+      <a:camera prst="orthographicFront"/>
+      <a:lightRig rig="threePt" dir="t"/>
+    </dgm:scene3d>
+    <dgm:sp3d/>
+    <dgm:txPr/>
+    <dgm:style>
+      <a:lnRef idx="1">
+        <a:scrgbClr r="0" g="0" b="0"/>
+      </a:lnRef>
+      <a:fillRef idx="1">
+        <a:scrgbClr r="0" g="0" b="0"/>
+      </a:fillRef>
+      <a:effectRef idx="0">
+        <a:scrgbClr r="0" g="0" b="0"/>
+      </a:effectRef>
+      <a:fontRef idx="minor"/>
+    </dgm:style>
+  </dgm:styleLbl>
+  <dgm:styleLbl name="bgShp">
+    <dgm:scene3d>
+      <a:camera prst="orthographicFront"/>
+      <a:lightRig rig="threePt" dir="t"/>
+    </dgm:scene3d>
+    <dgm:sp3d/>
+    <dgm:txPr/>
+    <dgm:style>
+      <a:lnRef idx="0">
+        <a:scrgbClr r="0" g="0" b="0"/>
+      </a:lnRef>
+      <a:fillRef idx="1">
+        <a:scrgbClr r="0" g="0" b="0"/>
+      </a:fillRef>
+      <a:effectRef idx="1">
+        <a:scrgbClr r="0" g="0" b="0"/>
+      </a:effectRef>
+      <a:fontRef idx="minor"/>
+    </dgm:style>
+  </dgm:styleLbl>
+  <dgm:styleLbl name="dkBgShp">
+    <dgm:scene3d>
+      <a:camera prst="orthographicFront"/>
+      <a:lightRig rig="threePt" dir="t"/>
+    </dgm:scene3d>
+    <dgm:sp3d/>
+    <dgm:txPr/>
+    <dgm:style>
+      <a:lnRef idx="0">
+        <a:scrgbClr r="0" g="0" b="0"/>
+      </a:lnRef>
+      <a:fillRef idx="1">
+        <a:scrgbClr r="0" g="0" b="0"/>
+      </a:fillRef>
+      <a:effectRef idx="1">
+        <a:scrgbClr r="0" g="0" b="0"/>
+      </a:effectRef>
+      <a:fontRef idx="minor"/>
+    </dgm:style>
+  </dgm:styleLbl>
+  <dgm:styleLbl name="trBgShp">
+    <dgm:scene3d>
+      <a:camera prst="orthographicFront"/>
+      <a:lightRig rig="threePt" dir="t"/>
+    </dgm:scene3d>
+    <dgm:sp3d/>
+    <dgm:txPr/>
+    <dgm:style>
+      <a:lnRef idx="0">
+        <a:scrgbClr r="0" g="0" b="0"/>
+      </a:lnRef>
+      <a:fillRef idx="1">
+        <a:scrgbClr r="0" g="0" b="0"/>
+      </a:fillRef>
+      <a:effectRef idx="0">
+        <a:scrgbClr r="0" g="0" b="0"/>
+      </a:effectRef>
+      <a:fontRef idx="minor"/>
+    </dgm:style>
+  </dgm:styleLbl>
+  <dgm:styleLbl name="fgShp">
+    <dgm:scene3d>
+      <a:camera prst="orthographicFront"/>
+      <a:lightRig rig="flat" dir="t"/>
+    </dgm:scene3d>
+    <dgm:sp3d prstMaterial="dkEdge">
+      <a:bevelT w="8200" h="38100"/>
+    </dgm:sp3d>
+    <dgm:txPr/>
+    <dgm:style>
+      <a:lnRef idx="1">
+        <a:scrgbClr r="0" g="0" b="0"/>
+      </a:lnRef>
+      <a:fillRef idx="2">
+        <a:scrgbClr r="0" g="0" b="0"/>
+      </a:fillRef>
+      <a:effectRef idx="1">
+        <a:scrgbClr r="0" g="0" b="0"/>
+      </a:effectRef>
+      <a:fontRef idx="minor"/>
+    </dgm:style>
+  </dgm:styleLbl>
+  <dgm:styleLbl name="revTx">
+    <dgm:scene3d>
+      <a:camera prst="orthographicFront"/>
+      <a:lightRig rig="threePt" dir="t"/>
+    </dgm:scene3d>
+    <dgm:sp3d/>
+    <dgm:txPr/>
+    <dgm:style>
+      <a:lnRef idx="0">
+        <a:scrgbClr r="0" g="0" b="0"/>
+      </a:lnRef>
+      <a:fillRef idx="0">
+        <a:scrgbClr r="0" g="0" b="0"/>
+      </a:fillRef>
+      <a:effectRef idx="0">
+        <a:scrgbClr r="0" g="0" b="0"/>
+      </a:effectRef>
+      <a:fontRef idx="minor"/>
+    </dgm:style>
+  </dgm:styleLbl>
+</dgm:styleDef>
 </file>
 
 <file path=ppt/slideLayouts/slideLayout1.xml><?xml version="1.0" encoding="utf-8"?>
@@ -259,7 +3654,7 @@
           <a:p>
             <a:fld id="{F9C3483C-F77D-464F-9616-9CB2E68317D8}" type="datetimeFigureOut">
               <a:rPr lang="en-US" smtClean="0"/>
-              <a:t>9/13/23</a:t>
+              <a:t>9/16/23</a:t>
             </a:fld>
             <a:endParaRPr lang="en-US"/>
           </a:p>
@@ -457,7 +3852,7 @@
           <a:p>
             <a:fld id="{F9C3483C-F77D-464F-9616-9CB2E68317D8}" type="datetimeFigureOut">
               <a:rPr lang="en-US" smtClean="0"/>
-              <a:t>9/13/23</a:t>
+              <a:t>9/16/23</a:t>
             </a:fld>
             <a:endParaRPr lang="en-US"/>
           </a:p>
@@ -665,7 +4060,7 @@
           <a:p>
             <a:fld id="{F9C3483C-F77D-464F-9616-9CB2E68317D8}" type="datetimeFigureOut">
               <a:rPr lang="en-US" smtClean="0"/>
-              <a:t>9/13/23</a:t>
+              <a:t>9/16/23</a:t>
             </a:fld>
             <a:endParaRPr lang="en-US"/>
           </a:p>
@@ -863,7 +4258,7 @@
           <a:p>
             <a:fld id="{F9C3483C-F77D-464F-9616-9CB2E68317D8}" type="datetimeFigureOut">
               <a:rPr lang="en-US" smtClean="0"/>
-              <a:t>9/13/23</a:t>
+              <a:t>9/16/23</a:t>
             </a:fld>
             <a:endParaRPr lang="en-US"/>
           </a:p>
@@ -1138,7 +4533,7 @@
           <a:p>
             <a:fld id="{F9C3483C-F77D-464F-9616-9CB2E68317D8}" type="datetimeFigureOut">
               <a:rPr lang="en-US" smtClean="0"/>
-              <a:t>9/13/23</a:t>
+              <a:t>9/16/23</a:t>
             </a:fld>
             <a:endParaRPr lang="en-US"/>
           </a:p>
@@ -1403,7 +4798,7 @@
           <a:p>
             <a:fld id="{F9C3483C-F77D-464F-9616-9CB2E68317D8}" type="datetimeFigureOut">
               <a:rPr lang="en-US" smtClean="0"/>
-              <a:t>9/13/23</a:t>
+              <a:t>9/16/23</a:t>
             </a:fld>
             <a:endParaRPr lang="en-US"/>
           </a:p>
@@ -1815,7 +5210,7 @@
           <a:p>
             <a:fld id="{F9C3483C-F77D-464F-9616-9CB2E68317D8}" type="datetimeFigureOut">
               <a:rPr lang="en-US" smtClean="0"/>
-              <a:t>9/13/23</a:t>
+              <a:t>9/16/23</a:t>
             </a:fld>
             <a:endParaRPr lang="en-US"/>
           </a:p>
@@ -1956,7 +5351,7 @@
           <a:p>
             <a:fld id="{F9C3483C-F77D-464F-9616-9CB2E68317D8}" type="datetimeFigureOut">
               <a:rPr lang="en-US" smtClean="0"/>
-              <a:t>9/13/23</a:t>
+              <a:t>9/16/23</a:t>
             </a:fld>
             <a:endParaRPr lang="en-US"/>
           </a:p>
@@ -2069,7 +5464,7 @@
           <a:p>
             <a:fld id="{F9C3483C-F77D-464F-9616-9CB2E68317D8}" type="datetimeFigureOut">
               <a:rPr lang="en-US" smtClean="0"/>
-              <a:t>9/13/23</a:t>
+              <a:t>9/16/23</a:t>
             </a:fld>
             <a:endParaRPr lang="en-US"/>
           </a:p>
@@ -2380,7 +5775,7 @@
           <a:p>
             <a:fld id="{F9C3483C-F77D-464F-9616-9CB2E68317D8}" type="datetimeFigureOut">
               <a:rPr lang="en-US" smtClean="0"/>
-              <a:t>9/13/23</a:t>
+              <a:t>9/16/23</a:t>
             </a:fld>
             <a:endParaRPr lang="en-US"/>
           </a:p>
@@ -2668,7 +6063,7 @@
           <a:p>
             <a:fld id="{F9C3483C-F77D-464F-9616-9CB2E68317D8}" type="datetimeFigureOut">
               <a:rPr lang="en-US" smtClean="0"/>
-              <a:t>9/13/23</a:t>
+              <a:t>9/16/23</a:t>
             </a:fld>
             <a:endParaRPr lang="en-US"/>
           </a:p>
@@ -2909,7 +6304,7 @@
           <a:p>
             <a:fld id="{F9C3483C-F77D-464F-9616-9CB2E68317D8}" type="datetimeFigureOut">
               <a:rPr lang="en-US" smtClean="0"/>
-              <a:t>9/13/23</a:t>
+              <a:t>9/16/23</a:t>
             </a:fld>
             <a:endParaRPr lang="en-US"/>
           </a:p>
@@ -3349,7 +6744,7 @@
           <a:p>
             <a:r>
               <a:rPr lang="en-US" dirty="0"/>
-              <a:t>Assignment 3 Title</a:t>
+              <a:t>About Me</a:t>
             </a:r>
           </a:p>
         </p:txBody>
@@ -3372,7 +6767,9 @@
         </p:nvSpPr>
         <p:spPr/>
         <p:txBody>
-          <a:bodyPr/>
+          <a:bodyPr>
+            <a:normAutofit/>
+          </a:bodyPr>
           <a:lstStyle/>
           <a:p>
             <a:r>
@@ -3383,13 +6780,13 @@
           <a:p>
             <a:r>
               <a:rPr lang="en-US" dirty="0"/>
-              <a:t>Class #</a:t>
+              <a:t>Communication for Software Leaders</a:t>
             </a:r>
           </a:p>
           <a:p>
             <a:r>
               <a:rPr lang="en-US" dirty="0"/>
-              <a:t>Date I guess</a:t>
+              <a:t>Assignment 3</a:t>
             </a:r>
           </a:p>
         </p:txBody>
@@ -3475,8 +6872,43 @@
           <a:p>
             <a:r>
               <a:rPr lang="en-US" dirty="0"/>
-              <a:t>What I’m going to talk about in the next slides</a:t>
-            </a:r>
+              <a:t>What I’m going to talk about in the next slides:</a:t>
+            </a:r>
+          </a:p>
+          <a:p>
+            <a:pPr lvl="1"/>
+            <a:r>
+              <a:rPr lang="en-US" dirty="0"/>
+              <a:t>Where I’m from</a:t>
+            </a:r>
+          </a:p>
+          <a:p>
+            <a:pPr lvl="1"/>
+            <a:r>
+              <a:rPr lang="en-US" dirty="0"/>
+              <a:t>Educational Background</a:t>
+            </a:r>
+          </a:p>
+          <a:p>
+            <a:pPr lvl="1"/>
+            <a:r>
+              <a:rPr lang="en-US" dirty="0"/>
+              <a:t>Accomplishments</a:t>
+            </a:r>
+          </a:p>
+          <a:p>
+            <a:pPr lvl="1"/>
+            <a:r>
+              <a:rPr lang="en-US" dirty="0"/>
+              <a:t>Interests</a:t>
+            </a:r>
+          </a:p>
+          <a:p>
+            <a:pPr lvl="1"/>
+            <a:endParaRPr lang="en-US" dirty="0"/>
+          </a:p>
+          <a:p>
+            <a:endParaRPr lang="en-US" dirty="0"/>
           </a:p>
         </p:txBody>
       </p:sp>
@@ -3533,17 +6965,48 @@
           <a:p>
             <a:r>
               <a:rPr lang="en-US" dirty="0"/>
-              <a:t>Points</a:t>
+              <a:t>Background</a:t>
             </a:r>
           </a:p>
         </p:txBody>
       </p:sp>
+      <p:graphicFrame>
+        <p:nvGraphicFramePr>
+          <p:cNvPr id="11" name="Content Placeholder 10">
+            <a:extLst>
+              <a:ext uri="{FF2B5EF4-FFF2-40B4-BE49-F238E27FC236}">
+                <a16:creationId xmlns:a16="http://schemas.microsoft.com/office/drawing/2014/main" id="{70DAFCC1-271D-6C2E-6013-7DA386DEAE0A}"/>
+              </a:ext>
+            </a:extLst>
+          </p:cNvPr>
+          <p:cNvGraphicFramePr>
+            <a:graphicFrameLocks noGrp="1"/>
+          </p:cNvGraphicFramePr>
+          <p:nvPr>
+            <p:ph idx="1"/>
+            <p:extLst>
+              <p:ext uri="{D42A27DB-BD31-4B8C-83A1-F6EECF244321}">
+                <p14:modId xmlns:p14="http://schemas.microsoft.com/office/powerpoint/2010/main" val="3245819815"/>
+              </p:ext>
+            </p:extLst>
+          </p:nvPr>
+        </p:nvGraphicFramePr>
+        <p:xfrm>
+          <a:off x="838200" y="1825625"/>
+          <a:ext cx="10515600" cy="4351338"/>
+        </p:xfrm>
+        <a:graphic>
+          <a:graphicData uri="http://schemas.openxmlformats.org/drawingml/2006/diagram">
+            <dgm:relIds xmlns:dgm="http://schemas.openxmlformats.org/drawingml/2006/diagram" xmlns:r="http://schemas.openxmlformats.org/officeDocument/2006/relationships" r:dm="rId2" r:lo="rId3" r:qs="rId4" r:cs="rId5"/>
+          </a:graphicData>
+        </a:graphic>
+      </p:graphicFrame>
       <p:sp>
         <p:nvSpPr>
-          <p:cNvPr id="3" name="Content Placeholder 2">
+          <p:cNvPr id="6" name="Content Placeholder 5">
             <a:extLst>
               <a:ext uri="{FF2B5EF4-FFF2-40B4-BE49-F238E27FC236}">
-                <a16:creationId xmlns:a16="http://schemas.microsoft.com/office/drawing/2014/main" id="{88E0A0D1-12E2-FB7B-8369-86DA972118FC}"/>
+                <a16:creationId xmlns:a16="http://schemas.microsoft.com/office/drawing/2014/main" id="{EC4B3AB3-B164-2E60-5370-74A97D4095D0}"/>
               </a:ext>
             </a:extLst>
           </p:cNvPr>
@@ -3551,32 +7014,23 @@
             <a:spLocks noGrp="1"/>
           </p:cNvSpPr>
           <p:nvPr>
-            <p:ph idx="1"/>
+            <p:ph sz="quarter" idx="4294967295"/>
           </p:nvPr>
         </p:nvSpPr>
-        <p:spPr/>
+        <p:spPr>
+          <a:xfrm>
+            <a:off x="7008813" y="2505075"/>
+            <a:ext cx="5183187" cy="3684588"/>
+          </a:xfrm>
+        </p:spPr>
         <p:txBody>
           <a:bodyPr/>
           <a:lstStyle/>
           <a:p>
-            <a:r>
-              <a:rPr lang="en-US" dirty="0"/>
-              <a:t>Point 1</a:t>
-            </a:r>
-          </a:p>
-          <a:p>
-            <a:r>
-              <a:rPr lang="en-US" dirty="0"/>
-              <a:t>Point 2</a:t>
-            </a:r>
-          </a:p>
-          <a:p>
-            <a:r>
-              <a:rPr lang="en-US" dirty="0"/>
-              <a:t>Point 3</a:t>
-            </a:r>
-          </a:p>
-          <a:p>
+            <a:endParaRPr lang="en-US" dirty="0"/>
+          </a:p>
+          <a:p>
+            <a:pPr lvl="1"/>
             <a:endParaRPr lang="en-US" dirty="0"/>
           </a:p>
         </p:txBody>
@@ -3641,6 +7095,38 @@
       </p:sp>
       <p:sp>
         <p:nvSpPr>
+          <p:cNvPr id="5" name="Text Placeholder 4">
+            <a:extLst>
+              <a:ext uri="{FF2B5EF4-FFF2-40B4-BE49-F238E27FC236}">
+                <a16:creationId xmlns:a16="http://schemas.microsoft.com/office/drawing/2014/main" id="{11EACF58-4AC3-8186-0DCD-E06CE852A227}"/>
+              </a:ext>
+            </a:extLst>
+          </p:cNvPr>
+          <p:cNvSpPr>
+            <a:spLocks noGrp="1"/>
+          </p:cNvSpPr>
+          <p:nvPr>
+            <p:ph type="body" idx="1"/>
+          </p:nvPr>
+        </p:nvSpPr>
+        <p:spPr/>
+        <p:txBody>
+          <a:bodyPr>
+            <a:normAutofit/>
+          </a:bodyPr>
+          <a:lstStyle/>
+          <a:p>
+            <a:r>
+              <a:rPr lang="en-US" sz="4400" b="0" dirty="0">
+                <a:latin typeface="+mj-lt"/>
+              </a:rPr>
+              <a:t>Accomplishments</a:t>
+            </a:r>
+          </a:p>
+        </p:txBody>
+      </p:sp>
+      <p:sp>
+        <p:nvSpPr>
           <p:cNvPr id="3" name="Content Placeholder 2">
             <a:extLst>
               <a:ext uri="{FF2B5EF4-FFF2-40B4-BE49-F238E27FC236}">
@@ -3652,7 +7138,7 @@
             <a:spLocks noGrp="1"/>
           </p:cNvSpPr>
           <p:nvPr>
-            <p:ph idx="1"/>
+            <p:ph sz="half" idx="2"/>
           </p:nvPr>
         </p:nvSpPr>
         <p:spPr/>
@@ -3662,7 +7148,88 @@
           <a:p>
             <a:r>
               <a:rPr lang="en-US" dirty="0"/>
-              <a:t>Include a graph or something</a:t>
+              <a:t>Taught myself to code</a:t>
+            </a:r>
+          </a:p>
+          <a:p>
+            <a:r>
+              <a:rPr lang="en-US" dirty="0"/>
+              <a:t>Workplace Nomination</a:t>
+            </a:r>
+          </a:p>
+          <a:p>
+            <a:r>
+              <a:rPr lang="en-US" dirty="0"/>
+              <a:t>Got sister into D&amp;D </a:t>
+            </a:r>
+          </a:p>
+          <a:p>
+            <a:endParaRPr lang="en-US" dirty="0"/>
+          </a:p>
+        </p:txBody>
+      </p:sp>
+      <p:sp>
+        <p:nvSpPr>
+          <p:cNvPr id="6" name="Text Placeholder 5">
+            <a:extLst>
+              <a:ext uri="{FF2B5EF4-FFF2-40B4-BE49-F238E27FC236}">
+                <a16:creationId xmlns:a16="http://schemas.microsoft.com/office/drawing/2014/main" id="{CBD27BB6-B22F-E4C0-C412-16186CC53674}"/>
+              </a:ext>
+            </a:extLst>
+          </p:cNvPr>
+          <p:cNvSpPr>
+            <a:spLocks noGrp="1"/>
+          </p:cNvSpPr>
+          <p:nvPr>
+            <p:ph type="body" sz="quarter" idx="3"/>
+          </p:nvPr>
+        </p:nvSpPr>
+        <p:spPr/>
+        <p:txBody>
+          <a:bodyPr>
+            <a:normAutofit/>
+          </a:bodyPr>
+          <a:lstStyle/>
+          <a:p>
+            <a:r>
+              <a:rPr lang="en-US" sz="4400" b="0" dirty="0">
+                <a:latin typeface="+mj-lt"/>
+              </a:rPr>
+              <a:t>Interests</a:t>
+            </a:r>
+          </a:p>
+        </p:txBody>
+      </p:sp>
+      <p:sp>
+        <p:nvSpPr>
+          <p:cNvPr id="4" name="Content Placeholder 3">
+            <a:extLst>
+              <a:ext uri="{FF2B5EF4-FFF2-40B4-BE49-F238E27FC236}">
+                <a16:creationId xmlns:a16="http://schemas.microsoft.com/office/drawing/2014/main" id="{A2F1B144-C118-C96B-6ADE-91D5780F7FA1}"/>
+              </a:ext>
+            </a:extLst>
+          </p:cNvPr>
+          <p:cNvSpPr>
+            <a:spLocks noGrp="1"/>
+          </p:cNvSpPr>
+          <p:nvPr>
+            <p:ph sz="quarter" idx="4"/>
+          </p:nvPr>
+        </p:nvSpPr>
+        <p:spPr/>
+        <p:txBody>
+          <a:bodyPr/>
+          <a:lstStyle/>
+          <a:p>
+            <a:r>
+              <a:rPr lang="en-US" dirty="0"/>
+              <a:t>TTRPGs</a:t>
+            </a:r>
+          </a:p>
+          <a:p>
+            <a:r>
+              <a:rPr lang="en-US" dirty="0"/>
+              <a:t>Boardgames</a:t>
             </a:r>
           </a:p>
         </p:txBody>
@@ -3748,7 +7315,25 @@
           <a:p>
             <a:r>
               <a:rPr lang="en-US" dirty="0"/>
-              <a:t>Summary of what has been said</a:t>
+              <a:t>Lived some places</a:t>
+            </a:r>
+          </a:p>
+          <a:p>
+            <a:r>
+              <a:rPr lang="en-US" dirty="0"/>
+              <a:t>Earned a few degrees</a:t>
+            </a:r>
+          </a:p>
+          <a:p>
+            <a:r>
+              <a:rPr lang="en-US" dirty="0"/>
+              <a:t>Accomplished things</a:t>
+            </a:r>
+          </a:p>
+          <a:p>
+            <a:r>
+              <a:rPr lang="en-US" dirty="0"/>
+              <a:t>Like some stuff</a:t>
             </a:r>
           </a:p>
         </p:txBody>
